--- a/trunk/m2WorkHackathon-LiveTrafficUpdate.pptx
+++ b/trunk/m2WorkHackathon-LiveTrafficUpdate.pptx
@@ -5,14 +5,16 @@
     <p:sldMasterId id="2147483648" r:id="rId1"/>
   </p:sldMasterIdLst>
   <p:notesMasterIdLst>
-    <p:notesMasterId r:id="rId7"/>
+    <p:notesMasterId r:id="rId9"/>
   </p:notesMasterIdLst>
   <p:sldIdLst>
     <p:sldId id="256" r:id="rId2"/>
     <p:sldId id="257" r:id="rId3"/>
     <p:sldId id="258" r:id="rId4"/>
     <p:sldId id="259" r:id="rId5"/>
-    <p:sldId id="260" r:id="rId6"/>
+    <p:sldId id="261" r:id="rId6"/>
+    <p:sldId id="260" r:id="rId7"/>
+    <p:sldId id="262" r:id="rId8"/>
   </p:sldIdLst>
   <p:sldSz cx="9144000" cy="6858000" type="screen4x3"/>
   <p:notesSz cx="6858000" cy="9144000"/>
@@ -4067,25 +4069,6 @@
       </p:sp>
       <p:sp>
         <p:nvSpPr>
-          <p:cNvPr id="3" name="Content Placeholder 2"/>
-          <p:cNvSpPr>
-            <a:spLocks noGrp="1"/>
-          </p:cNvSpPr>
-          <p:nvPr>
-            <p:ph idx="1"/>
-          </p:nvPr>
-        </p:nvSpPr>
-        <p:spPr/>
-        <p:txBody>
-          <a:bodyPr/>
-          <a:lstStyle/>
-          <a:p>
-            <a:endParaRPr lang="en-US"/>
-          </a:p>
-        </p:txBody>
-      </p:sp>
-      <p:sp>
-        <p:nvSpPr>
           <p:cNvPr id="4" name="Slide Number Placeholder 3"/>
           <p:cNvSpPr>
             <a:spLocks noGrp="1"/>
@@ -4108,6 +4091,129 @@
           </a:p>
         </p:txBody>
       </p:sp>
+      <p:pic>
+        <p:nvPicPr>
+          <p:cNvPr id="3074" name="Picture 2" descr="C:\Users\tdqua_000\Desktop\mobile-network-operators-set-cps-a-puzzle-0.jpg"/>
+          <p:cNvPicPr>
+            <a:picLocks noChangeAspect="1" noChangeArrowheads="1"/>
+          </p:cNvPicPr>
+          <p:nvPr/>
+        </p:nvPicPr>
+        <p:blipFill>
+          <a:blip r:embed="rId2">
+            <a:extLst>
+              <a:ext uri="{28A0092B-C50C-407E-A947-70E740481C1C}">
+                <a14:useLocalDpi xmlns:a14="http://schemas.microsoft.com/office/drawing/2010/main" val="0"/>
+              </a:ext>
+            </a:extLst>
+          </a:blip>
+          <a:srcRect/>
+          <a:stretch>
+            <a:fillRect/>
+          </a:stretch>
+        </p:blipFill>
+        <p:spPr bwMode="auto">
+          <a:xfrm>
+            <a:off x="609600" y="2057400"/>
+            <a:ext cx="4762500" cy="3171825"/>
+          </a:xfrm>
+          <a:prstGeom prst="rect">
+            <a:avLst/>
+          </a:prstGeom>
+          <a:noFill/>
+          <a:extLst>
+            <a:ext uri="{909E8E84-426E-40DD-AFC4-6F175D3DCCD1}">
+              <a14:hiddenFill xmlns:a14="http://schemas.microsoft.com/office/drawing/2010/main">
+                <a:solidFill>
+                  <a:srgbClr val="FFFFFF"/>
+                </a:solidFill>
+              </a14:hiddenFill>
+            </a:ext>
+          </a:extLst>
+        </p:spPr>
+      </p:pic>
+      <p:pic>
+        <p:nvPicPr>
+          <p:cNvPr id="3075" name="Picture 3" descr="F:\Resources\Old\Icons\oxygen-refit\actions\stock_mail-filters-apply.png"/>
+          <p:cNvPicPr>
+            <a:picLocks noChangeAspect="1" noChangeArrowheads="1"/>
+          </p:cNvPicPr>
+          <p:nvPr/>
+        </p:nvPicPr>
+        <p:blipFill>
+          <a:blip r:embed="rId3">
+            <a:extLst>
+              <a:ext uri="{28A0092B-C50C-407E-A947-70E740481C1C}">
+                <a14:useLocalDpi xmlns:a14="http://schemas.microsoft.com/office/drawing/2010/main" val="0"/>
+              </a:ext>
+            </a:extLst>
+          </a:blip>
+          <a:srcRect/>
+          <a:stretch>
+            <a:fillRect/>
+          </a:stretch>
+        </p:blipFill>
+        <p:spPr bwMode="auto">
+          <a:xfrm>
+            <a:off x="5589987" y="3234927"/>
+            <a:ext cx="816770" cy="816770"/>
+          </a:xfrm>
+          <a:prstGeom prst="rect">
+            <a:avLst/>
+          </a:prstGeom>
+          <a:noFill/>
+          <a:extLst>
+            <a:ext uri="{909E8E84-426E-40DD-AFC4-6F175D3DCCD1}">
+              <a14:hiddenFill xmlns:a14="http://schemas.microsoft.com/office/drawing/2010/main">
+                <a:solidFill>
+                  <a:srgbClr val="FFFFFF"/>
+                </a:solidFill>
+              </a14:hiddenFill>
+            </a:ext>
+          </a:extLst>
+        </p:spPr>
+      </p:pic>
+      <p:pic>
+        <p:nvPicPr>
+          <p:cNvPr id="3076" name="Picture 4" descr="F:\Resources\Old\Icons\oxygen-refit\actions\stock_timezone.png"/>
+          <p:cNvPicPr>
+            <a:picLocks noChangeAspect="1" noChangeArrowheads="1"/>
+          </p:cNvPicPr>
+          <p:nvPr/>
+        </p:nvPicPr>
+        <p:blipFill>
+          <a:blip r:embed="rId4">
+            <a:extLst>
+              <a:ext uri="{28A0092B-C50C-407E-A947-70E740481C1C}">
+                <a14:useLocalDpi xmlns:a14="http://schemas.microsoft.com/office/drawing/2010/main" val="0"/>
+              </a:ext>
+            </a:extLst>
+          </a:blip>
+          <a:srcRect/>
+          <a:stretch>
+            <a:fillRect/>
+          </a:stretch>
+        </p:blipFill>
+        <p:spPr bwMode="auto">
+          <a:xfrm>
+            <a:off x="6705600" y="2555675"/>
+            <a:ext cx="2175273" cy="2175273"/>
+          </a:xfrm>
+          <a:prstGeom prst="rect">
+            <a:avLst/>
+          </a:prstGeom>
+          <a:noFill/>
+          <a:extLst>
+            <a:ext uri="{909E8E84-426E-40DD-AFC4-6F175D3DCCD1}">
+              <a14:hiddenFill xmlns:a14="http://schemas.microsoft.com/office/drawing/2010/main">
+                <a:solidFill>
+                  <a:srgbClr val="FFFFFF"/>
+                </a:solidFill>
+              </a14:hiddenFill>
+            </a:ext>
+          </a:extLst>
+        </p:spPr>
+      </p:pic>
     </p:spTree>
     <p:extLst>
       <p:ext uri="{BB962C8B-B14F-4D97-AF65-F5344CB8AC3E}">
@@ -4118,6 +4224,13 @@
   <p:clrMapOvr>
     <a:masterClrMapping/>
   </p:clrMapOvr>
+  <p:timing>
+    <p:tnLst>
+      <p:par>
+        <p:cTn id="1" dur="indefinite" restart="never" nodeType="tmRoot"/>
+      </p:par>
+    </p:tnLst>
+  </p:timing>
 </p:sld>
 </file>
 
@@ -4163,25 +4276,6 @@
       </p:sp>
       <p:sp>
         <p:nvSpPr>
-          <p:cNvPr id="3" name="Content Placeholder 2"/>
-          <p:cNvSpPr>
-            <a:spLocks noGrp="1"/>
-          </p:cNvSpPr>
-          <p:nvPr>
-            <p:ph idx="1"/>
-          </p:nvPr>
-        </p:nvSpPr>
-        <p:spPr/>
-        <p:txBody>
-          <a:bodyPr/>
-          <a:lstStyle/>
-          <a:p>
-            <a:endParaRPr lang="en-US"/>
-          </a:p>
-        </p:txBody>
-      </p:sp>
-      <p:sp>
-        <p:nvSpPr>
           <p:cNvPr id="4" name="Slide Number Placeholder 3"/>
           <p:cNvSpPr>
             <a:spLocks noGrp="1"/>
@@ -4204,6 +4298,88 @@
           </a:p>
         </p:txBody>
       </p:sp>
+      <p:pic>
+        <p:nvPicPr>
+          <p:cNvPr id="1027" name="Picture 3" descr="C:\Users\tdqua_000\Desktop\3D Character (45).jpg"/>
+          <p:cNvPicPr>
+            <a:picLocks noChangeAspect="1" noChangeArrowheads="1"/>
+          </p:cNvPicPr>
+          <p:nvPr/>
+        </p:nvPicPr>
+        <p:blipFill>
+          <a:blip r:embed="rId2">
+            <a:extLst>
+              <a:ext uri="{28A0092B-C50C-407E-A947-70E740481C1C}">
+                <a14:useLocalDpi xmlns:a14="http://schemas.microsoft.com/office/drawing/2010/main" val="0"/>
+              </a:ext>
+            </a:extLst>
+          </a:blip>
+          <a:srcRect/>
+          <a:stretch>
+            <a:fillRect/>
+          </a:stretch>
+        </p:blipFill>
+        <p:spPr bwMode="auto">
+          <a:xfrm>
+            <a:off x="3886200" y="1991591"/>
+            <a:ext cx="4368800" cy="3276600"/>
+          </a:xfrm>
+          <a:prstGeom prst="rect">
+            <a:avLst/>
+          </a:prstGeom>
+          <a:noFill/>
+          <a:extLst>
+            <a:ext uri="{909E8E84-426E-40DD-AFC4-6F175D3DCCD1}">
+              <a14:hiddenFill xmlns:a14="http://schemas.microsoft.com/office/drawing/2010/main">
+                <a:solidFill>
+                  <a:srgbClr val="FFFFFF"/>
+                </a:solidFill>
+              </a14:hiddenFill>
+            </a:ext>
+          </a:extLst>
+        </p:spPr>
+      </p:pic>
+      <p:pic>
+        <p:nvPicPr>
+          <p:cNvPr id="1029" name="Picture 5" descr="F:\Resources\Old\Icons\oxygen-refit\actions\go-jump.png"/>
+          <p:cNvPicPr>
+            <a:picLocks noChangeAspect="1" noChangeArrowheads="1"/>
+          </p:cNvPicPr>
+          <p:nvPr/>
+        </p:nvPicPr>
+        <p:blipFill>
+          <a:blip r:embed="rId3">
+            <a:extLst>
+              <a:ext uri="{28A0092B-C50C-407E-A947-70E740481C1C}">
+                <a14:useLocalDpi xmlns:a14="http://schemas.microsoft.com/office/drawing/2010/main" val="0"/>
+              </a:ext>
+            </a:extLst>
+          </a:blip>
+          <a:srcRect/>
+          <a:stretch>
+            <a:fillRect/>
+          </a:stretch>
+        </p:blipFill>
+        <p:spPr bwMode="auto">
+          <a:xfrm>
+            <a:off x="1129145" y="2372591"/>
+            <a:ext cx="2514600" cy="2514600"/>
+          </a:xfrm>
+          <a:prstGeom prst="rect">
+            <a:avLst/>
+          </a:prstGeom>
+          <a:noFill/>
+          <a:extLst>
+            <a:ext uri="{909E8E84-426E-40DD-AFC4-6F175D3DCCD1}">
+              <a14:hiddenFill xmlns:a14="http://schemas.microsoft.com/office/drawing/2010/main">
+                <a:solidFill>
+                  <a:srgbClr val="FFFFFF"/>
+                </a:solidFill>
+              </a14:hiddenFill>
+            </a:ext>
+          </a:extLst>
+        </p:spPr>
+      </p:pic>
     </p:spTree>
     <p:extLst>
       <p:ext uri="{BB962C8B-B14F-4D97-AF65-F5344CB8AC3E}">
@@ -4214,6 +4390,13 @@
   <p:clrMapOvr>
     <a:masterClrMapping/>
   </p:clrMapOvr>
+  <p:timing>
+    <p:tnLst>
+      <p:par>
+        <p:cTn id="1" dur="indefinite" restart="never" nodeType="tmRoot"/>
+      </p:par>
+    </p:tnLst>
+  </p:timing>
 </p:sld>
 </file>
 
@@ -4251,27 +4434,8 @@
           <a:p>
             <a:r>
               <a:rPr lang="en-US" smtClean="0"/>
-              <a:t>Demo</a:t>
-            </a:r>
-            <a:endParaRPr lang="en-US"/>
-          </a:p>
-        </p:txBody>
-      </p:sp>
-      <p:sp>
-        <p:nvSpPr>
-          <p:cNvPr id="3" name="Content Placeholder 2"/>
-          <p:cNvSpPr>
-            <a:spLocks noGrp="1"/>
-          </p:cNvSpPr>
-          <p:nvPr>
-            <p:ph idx="1"/>
-          </p:nvPr>
-        </p:nvSpPr>
-        <p:spPr/>
-        <p:txBody>
-          <a:bodyPr/>
-          <a:lstStyle/>
-          <a:p>
+              <a:t>Web</a:t>
+            </a:r>
             <a:endParaRPr lang="en-US"/>
           </a:p>
         </p:txBody>
@@ -4295,6 +4459,189 @@
               <a:rPr lang="en-US" smtClean="0"/>
               <a:pPr/>
               <a:t>5</a:t>
+            </a:fld>
+            <a:endParaRPr lang="en-US"/>
+          </a:p>
+        </p:txBody>
+      </p:sp>
+      <p:pic>
+        <p:nvPicPr>
+          <p:cNvPr id="2051" name="Picture 3"/>
+          <p:cNvPicPr>
+            <a:picLocks noChangeAspect="1" noChangeArrowheads="1"/>
+          </p:cNvPicPr>
+          <p:nvPr/>
+        </p:nvPicPr>
+        <p:blipFill>
+          <a:blip r:embed="rId2">
+            <a:extLst>
+              <a:ext uri="{28A0092B-C50C-407E-A947-70E740481C1C}">
+                <a14:useLocalDpi xmlns:a14="http://schemas.microsoft.com/office/drawing/2010/main" val="0"/>
+              </a:ext>
+            </a:extLst>
+          </a:blip>
+          <a:srcRect/>
+          <a:stretch>
+            <a:fillRect/>
+          </a:stretch>
+        </p:blipFill>
+        <p:spPr bwMode="auto">
+          <a:xfrm>
+            <a:off x="1752600" y="1524000"/>
+            <a:ext cx="5943600" cy="4926634"/>
+          </a:xfrm>
+          <a:prstGeom prst="rect">
+            <a:avLst/>
+          </a:prstGeom>
+          <a:noFill/>
+          <a:ln>
+            <a:noFill/>
+          </a:ln>
+          <a:effectLst/>
+          <a:extLst>
+            <a:ext uri="{909E8E84-426E-40DD-AFC4-6F175D3DCCD1}">
+              <a14:hiddenFill xmlns:a14="http://schemas.microsoft.com/office/drawing/2010/main">
+                <a:solidFill>
+                  <a:schemeClr val="accent1"/>
+                </a:solidFill>
+              </a14:hiddenFill>
+            </a:ext>
+            <a:ext uri="{91240B29-F687-4F45-9708-019B960494DF}">
+              <a14:hiddenLine xmlns:a14="http://schemas.microsoft.com/office/drawing/2010/main" w="9525">
+                <a:solidFill>
+                  <a:schemeClr val="tx1"/>
+                </a:solidFill>
+                <a:miter lim="800000"/>
+                <a:headEnd/>
+                <a:tailEnd/>
+              </a14:hiddenLine>
+            </a:ext>
+            <a:ext uri="{AF507438-7753-43E0-B8FC-AC1667EBCBE1}">
+              <a14:hiddenEffects xmlns:a14="http://schemas.microsoft.com/office/drawing/2010/main">
+                <a:effectLst>
+                  <a:outerShdw dist="35921" dir="2700000" algn="ctr" rotWithShape="0">
+                    <a:schemeClr val="bg2"/>
+                  </a:outerShdw>
+                </a:effectLst>
+              </a14:hiddenEffects>
+            </a:ext>
+          </a:extLst>
+        </p:spPr>
+      </p:pic>
+    </p:spTree>
+    <p:extLst>
+      <p:ext uri="{BB962C8B-B14F-4D97-AF65-F5344CB8AC3E}">
+        <p14:creationId xmlns:p14="http://schemas.microsoft.com/office/powerpoint/2010/main" val="3312341315"/>
+      </p:ext>
+    </p:extLst>
+  </p:cSld>
+  <p:clrMapOvr>
+    <a:masterClrMapping/>
+  </p:clrMapOvr>
+  <p:timing>
+    <p:tnLst>
+      <p:par>
+        <p:cTn id="1" dur="indefinite" restart="never" nodeType="tmRoot"/>
+      </p:par>
+    </p:tnLst>
+  </p:timing>
+</p:sld>
+</file>
+
+<file path=ppt/slides/slide6.xml><?xml version="1.0" encoding="utf-8"?>
+<p:sld xmlns:a="http://schemas.openxmlformats.org/drawingml/2006/main" xmlns:r="http://schemas.openxmlformats.org/officeDocument/2006/relationships" xmlns:p="http://schemas.openxmlformats.org/presentationml/2006/main">
+  <p:cSld>
+    <p:spTree>
+      <p:nvGrpSpPr>
+        <p:cNvPr id="1" name=""/>
+        <p:cNvGrpSpPr/>
+        <p:nvPr/>
+      </p:nvGrpSpPr>
+      <p:grpSpPr>
+        <a:xfrm>
+          <a:off x="0" y="0"/>
+          <a:ext cx="0" cy="0"/>
+          <a:chOff x="0" y="0"/>
+          <a:chExt cx="0" cy="0"/>
+        </a:xfrm>
+      </p:grpSpPr>
+      <p:sp>
+        <p:nvSpPr>
+          <p:cNvPr id="2" name="Title 1"/>
+          <p:cNvSpPr>
+            <a:spLocks noGrp="1"/>
+          </p:cNvSpPr>
+          <p:nvPr>
+            <p:ph type="title"/>
+          </p:nvPr>
+        </p:nvSpPr>
+        <p:spPr/>
+        <p:txBody>
+          <a:bodyPr/>
+          <a:lstStyle/>
+          <a:p>
+            <a:r>
+              <a:rPr lang="en-US" smtClean="0"/>
+              <a:t>Demo</a:t>
+            </a:r>
+            <a:endParaRPr lang="en-US"/>
+          </a:p>
+        </p:txBody>
+      </p:sp>
+      <p:sp>
+        <p:nvSpPr>
+          <p:cNvPr id="3" name="Content Placeholder 2"/>
+          <p:cNvSpPr>
+            <a:spLocks noGrp="1"/>
+          </p:cNvSpPr>
+          <p:nvPr>
+            <p:ph idx="1"/>
+          </p:nvPr>
+        </p:nvSpPr>
+        <p:spPr/>
+        <p:txBody>
+          <a:bodyPr/>
+          <a:lstStyle/>
+          <a:p>
+            <a:r>
+              <a:rPr lang="en-US" smtClean="0"/>
+              <a:t>Microworker</a:t>
+            </a:r>
+          </a:p>
+          <a:p>
+            <a:r>
+              <a:rPr lang="en-US" smtClean="0"/>
+              <a:t>Consumer</a:t>
+            </a:r>
+          </a:p>
+          <a:p>
+            <a:r>
+              <a:rPr lang="en-US" smtClean="0"/>
+              <a:t>Tra cứu trên web</a:t>
+            </a:r>
+            <a:endParaRPr lang="en-US"/>
+          </a:p>
+        </p:txBody>
+      </p:sp>
+      <p:sp>
+        <p:nvSpPr>
+          <p:cNvPr id="4" name="Slide Number Placeholder 3"/>
+          <p:cNvSpPr>
+            <a:spLocks noGrp="1"/>
+          </p:cNvSpPr>
+          <p:nvPr>
+            <p:ph type="sldNum" sz="quarter" idx="12"/>
+          </p:nvPr>
+        </p:nvSpPr>
+        <p:spPr/>
+        <p:txBody>
+          <a:bodyPr/>
+          <a:lstStyle/>
+          <a:p>
+            <a:fld id="{FC66D6CE-B56B-447A-A58B-E2D6508578E9}" type="slidenum">
+              <a:rPr lang="en-US" smtClean="0"/>
+              <a:pPr/>
+              <a:t>6</a:t>
             </a:fld>
             <a:endParaRPr lang="en-US"/>
           </a:p>
@@ -4304,6 +4651,127 @@
     <p:extLst>
       <p:ext uri="{BB962C8B-B14F-4D97-AF65-F5344CB8AC3E}">
         <p14:creationId xmlns:p14="http://schemas.microsoft.com/office/powerpoint/2010/main" val="3851276250"/>
+      </p:ext>
+    </p:extLst>
+  </p:cSld>
+  <p:clrMapOvr>
+    <a:masterClrMapping/>
+  </p:clrMapOvr>
+  <p:timing>
+    <p:tnLst>
+      <p:par>
+        <p:cTn id="1" dur="indefinite" restart="never" nodeType="tmRoot"/>
+      </p:par>
+    </p:tnLst>
+  </p:timing>
+</p:sld>
+</file>
+
+<file path=ppt/slides/slide7.xml><?xml version="1.0" encoding="utf-8"?>
+<p:sld xmlns:a="http://schemas.openxmlformats.org/drawingml/2006/main" xmlns:r="http://schemas.openxmlformats.org/officeDocument/2006/relationships" xmlns:p="http://schemas.openxmlformats.org/presentationml/2006/main">
+  <p:cSld>
+    <p:spTree>
+      <p:nvGrpSpPr>
+        <p:cNvPr id="1" name=""/>
+        <p:cNvGrpSpPr/>
+        <p:nvPr/>
+      </p:nvGrpSpPr>
+      <p:grpSpPr>
+        <a:xfrm>
+          <a:off x="0" y="0"/>
+          <a:ext cx="0" cy="0"/>
+          <a:chOff x="0" y="0"/>
+          <a:chExt cx="0" cy="0"/>
+        </a:xfrm>
+      </p:grpSpPr>
+      <p:sp>
+        <p:nvSpPr>
+          <p:cNvPr id="2" name="Title 1"/>
+          <p:cNvSpPr>
+            <a:spLocks noGrp="1"/>
+          </p:cNvSpPr>
+          <p:nvPr>
+            <p:ph type="title"/>
+          </p:nvPr>
+        </p:nvSpPr>
+        <p:spPr/>
+        <p:txBody>
+          <a:bodyPr/>
+          <a:lstStyle/>
+          <a:p>
+            <a:r>
+              <a:rPr lang="en-US" smtClean="0"/>
+              <a:t>Mô hình</a:t>
+            </a:r>
+            <a:endParaRPr lang="en-US"/>
+          </a:p>
+        </p:txBody>
+      </p:sp>
+      <p:sp>
+        <p:nvSpPr>
+          <p:cNvPr id="3" name="Content Placeholder 2"/>
+          <p:cNvSpPr>
+            <a:spLocks noGrp="1"/>
+          </p:cNvSpPr>
+          <p:nvPr>
+            <p:ph idx="1"/>
+          </p:nvPr>
+        </p:nvSpPr>
+        <p:spPr/>
+        <p:txBody>
+          <a:bodyPr/>
+          <a:lstStyle/>
+          <a:p>
+            <a:r>
+              <a:rPr lang="en-US" smtClean="0"/>
+              <a:t>Worker: được trả tiền theo hiệu năng</a:t>
+            </a:r>
+          </a:p>
+          <a:p>
+            <a:r>
+              <a:rPr lang="en-US" smtClean="0"/>
+              <a:t>Quảng cáo</a:t>
+            </a:r>
+          </a:p>
+          <a:p>
+            <a:r>
+              <a:rPr lang="en-US" smtClean="0"/>
+              <a:t>SaaS</a:t>
+            </a:r>
+          </a:p>
+          <a:p>
+            <a:endParaRPr lang="en-US"/>
+          </a:p>
+        </p:txBody>
+      </p:sp>
+      <p:sp>
+        <p:nvSpPr>
+          <p:cNvPr id="4" name="Slide Number Placeholder 3"/>
+          <p:cNvSpPr>
+            <a:spLocks noGrp="1"/>
+          </p:cNvSpPr>
+          <p:nvPr>
+            <p:ph type="sldNum" sz="quarter" idx="12"/>
+          </p:nvPr>
+        </p:nvSpPr>
+        <p:spPr/>
+        <p:txBody>
+          <a:bodyPr/>
+          <a:lstStyle/>
+          <a:p>
+            <a:fld id="{FC66D6CE-B56B-447A-A58B-E2D6508578E9}" type="slidenum">
+              <a:rPr lang="en-US" smtClean="0"/>
+              <a:pPr/>
+              <a:t>7</a:t>
+            </a:fld>
+            <a:endParaRPr lang="en-US"/>
+          </a:p>
+        </p:txBody>
+      </p:sp>
+    </p:spTree>
+    <p:extLst>
+      <p:ext uri="{BB962C8B-B14F-4D97-AF65-F5344CB8AC3E}">
+        <p14:creationId xmlns:p14="http://schemas.microsoft.com/office/powerpoint/2010/main" val="2258798759"/>
       </p:ext>
     </p:extLst>
   </p:cSld>

--- a/trunk/m2WorkHackathon-LiveTrafficUpdate.pptx
+++ b/trunk/m2WorkHackathon-LiveTrafficUpdate.pptx
@@ -3865,6 +3865,13 @@
   <p:clrMapOvr>
     <a:masterClrMapping/>
   </p:clrMapOvr>
+  <p:timing>
+    <p:tnLst>
+      <p:par>
+        <p:cTn id="1" dur="indefinite" restart="never" nodeType="tmRoot"/>
+      </p:par>
+    </p:tnLst>
+  </p:timing>
 </p:sld>
 </file>
 
@@ -3943,7 +3950,7 @@
           <a:p>
             <a:r>
               <a:rPr lang="en-US" smtClean="0"/>
-              <a:t>Nên đi đường nào?</a:t>
+              <a:t>Which way should I choose?</a:t>
             </a:r>
             <a:endParaRPr lang="en-US"/>
           </a:p>
@@ -4024,6 +4031,13 @@
   <p:clrMapOvr>
     <a:masterClrMapping/>
   </p:clrMapOvr>
+  <p:timing>
+    <p:tnLst>
+      <p:par>
+        <p:cTn id="1" dur="indefinite" restart="never" nodeType="tmRoot"/>
+      </p:par>
+    </p:tnLst>
+  </p:timing>
 </p:sld>
 </file>
 
@@ -4268,7 +4282,7 @@
           <a:p>
             <a:r>
               <a:rPr lang="en-US" smtClean="0"/>
-              <a:t>Tra cứu</a:t>
+              <a:t>Query situation ahead</a:t>
             </a:r>
             <a:endParaRPr lang="en-US"/>
           </a:p>
@@ -4605,19 +4619,21 @@
           <a:p>
             <a:r>
               <a:rPr lang="en-US" smtClean="0"/>
-              <a:t>Microworker</a:t>
-            </a:r>
-          </a:p>
-          <a:p>
-            <a:r>
-              <a:rPr lang="en-US" smtClean="0"/>
-              <a:t>Consumer</a:t>
-            </a:r>
-          </a:p>
-          <a:p>
-            <a:r>
-              <a:rPr lang="en-US" smtClean="0"/>
-              <a:t>Tra cứu trên web</a:t>
+              <a:t>Microworker sends traffic status</a:t>
+            </a:r>
+            <a:endParaRPr lang="en-US" smtClean="0"/>
+          </a:p>
+          <a:p>
+            <a:r>
+              <a:rPr lang="en-US" smtClean="0"/>
+              <a:t>User checks traffic status</a:t>
+            </a:r>
+            <a:endParaRPr lang="en-US" smtClean="0"/>
+          </a:p>
+          <a:p>
+            <a:r>
+              <a:rPr lang="en-US" smtClean="0"/>
+              <a:t>Web query</a:t>
             </a:r>
             <a:endParaRPr lang="en-US"/>
           </a:p>
@@ -4701,7 +4717,7 @@
           <a:p>
             <a:r>
               <a:rPr lang="en-US" smtClean="0"/>
-              <a:t>Mô hình</a:t>
+              <a:t>Business model</a:t>
             </a:r>
             <a:endParaRPr lang="en-US"/>
           </a:p>
@@ -4724,14 +4740,24 @@
           <a:p>
             <a:r>
               <a:rPr lang="en-US" smtClean="0"/>
-              <a:t>Worker: được trả tiền theo hiệu năng</a:t>
-            </a:r>
-          </a:p>
-          <a:p>
-            <a:r>
-              <a:rPr lang="en-US" smtClean="0"/>
-              <a:t>Quảng cáo</a:t>
-            </a:r>
+              <a:t>Worker: </a:t>
+            </a:r>
+            <a:r>
+              <a:rPr lang="en-US" smtClean="0"/>
+              <a:t>Paid on </a:t>
+            </a:r>
+            <a:r>
+              <a:rPr lang="en-US" smtClean="0"/>
+              <a:t>Effectiveness and Usefulness</a:t>
+            </a:r>
+            <a:endParaRPr lang="en-US" smtClean="0"/>
+          </a:p>
+          <a:p>
+            <a:r>
+              <a:rPr lang="en-US" smtClean="0"/>
+              <a:t>Advertisement</a:t>
+            </a:r>
+            <a:endParaRPr lang="en-US" smtClean="0"/>
           </a:p>
           <a:p>
             <a:r>
@@ -4778,6 +4804,13 @@
   <p:clrMapOvr>
     <a:masterClrMapping/>
   </p:clrMapOvr>
+  <p:timing>
+    <p:tnLst>
+      <p:par>
+        <p:cTn id="1" dur="indefinite" restart="never" nodeType="tmRoot"/>
+      </p:par>
+    </p:tnLst>
+  </p:timing>
 </p:sld>
 </file>
 

--- a/trunk/m2WorkHackathon-LiveTrafficUpdate.pptx
+++ b/trunk/m2WorkHackathon-LiveTrafficUpdate.pptx
@@ -5,16 +5,24 @@
     <p:sldMasterId id="2147483648" r:id="rId1"/>
   </p:sldMasterIdLst>
   <p:notesMasterIdLst>
-    <p:notesMasterId r:id="rId9"/>
+    <p:notesMasterId r:id="rId17"/>
   </p:notesMasterIdLst>
   <p:sldIdLst>
     <p:sldId id="256" r:id="rId2"/>
     <p:sldId id="257" r:id="rId3"/>
-    <p:sldId id="258" r:id="rId4"/>
-    <p:sldId id="259" r:id="rId5"/>
-    <p:sldId id="261" r:id="rId6"/>
-    <p:sldId id="260" r:id="rId7"/>
-    <p:sldId id="262" r:id="rId8"/>
+    <p:sldId id="263" r:id="rId4"/>
+    <p:sldId id="265" r:id="rId5"/>
+    <p:sldId id="262" r:id="rId6"/>
+    <p:sldId id="266" r:id="rId7"/>
+    <p:sldId id="267" r:id="rId8"/>
+    <p:sldId id="268" r:id="rId9"/>
+    <p:sldId id="264" r:id="rId10"/>
+    <p:sldId id="272" r:id="rId11"/>
+    <p:sldId id="260" r:id="rId12"/>
+    <p:sldId id="269" r:id="rId13"/>
+    <p:sldId id="270" r:id="rId14"/>
+    <p:sldId id="261" r:id="rId15"/>
+    <p:sldId id="271" r:id="rId16"/>
   </p:sldIdLst>
   <p:sldSz cx="9144000" cy="6858000" type="screen4x3"/>
   <p:notesSz cx="6858000" cy="9144000"/>
@@ -3875,6 +3883,997 @@
 </p:sld>
 </file>
 
+<file path=ppt/slides/slide10.xml><?xml version="1.0" encoding="utf-8"?>
+<p:sld xmlns:a="http://schemas.openxmlformats.org/drawingml/2006/main" xmlns:r="http://schemas.openxmlformats.org/officeDocument/2006/relationships" xmlns:p="http://schemas.openxmlformats.org/presentationml/2006/main">
+  <p:cSld>
+    <p:spTree>
+      <p:nvGrpSpPr>
+        <p:cNvPr id="1" name=""/>
+        <p:cNvGrpSpPr/>
+        <p:nvPr/>
+      </p:nvGrpSpPr>
+      <p:grpSpPr>
+        <a:xfrm>
+          <a:off x="0" y="0"/>
+          <a:ext cx="0" cy="0"/>
+          <a:chOff x="0" y="0"/>
+          <a:chExt cx="0" cy="0"/>
+        </a:xfrm>
+      </p:grpSpPr>
+      <p:sp>
+        <p:nvSpPr>
+          <p:cNvPr id="2" name="Title 1"/>
+          <p:cNvSpPr>
+            <a:spLocks noGrp="1"/>
+          </p:cNvSpPr>
+          <p:nvPr>
+            <p:ph type="title"/>
+          </p:nvPr>
+        </p:nvSpPr>
+        <p:spPr/>
+        <p:txBody>
+          <a:bodyPr/>
+          <a:lstStyle/>
+          <a:p>
+            <a:r>
+              <a:rPr lang="en-US" smtClean="0"/>
+              <a:t>Microworker’s Payment</a:t>
+            </a:r>
+            <a:endParaRPr lang="en-US"/>
+          </a:p>
+        </p:txBody>
+      </p:sp>
+      <p:sp>
+        <p:nvSpPr>
+          <p:cNvPr id="3" name="Content Placeholder 2"/>
+          <p:cNvSpPr>
+            <a:spLocks noGrp="1"/>
+          </p:cNvSpPr>
+          <p:nvPr>
+            <p:ph idx="1"/>
+          </p:nvPr>
+        </p:nvSpPr>
+        <p:spPr>
+          <a:xfrm>
+            <a:off x="5943600" y="1600200"/>
+            <a:ext cx="3048000" cy="4724400"/>
+          </a:xfrm>
+        </p:spPr>
+        <p:txBody>
+          <a:bodyPr/>
+          <a:lstStyle/>
+          <a:p>
+            <a:r>
+              <a:rPr lang="en-US" smtClean="0"/>
+              <a:t>Effectiveness</a:t>
+            </a:r>
+          </a:p>
+          <a:p>
+            <a:r>
+              <a:rPr lang="en-US" smtClean="0"/>
+              <a:t>Activeness</a:t>
+            </a:r>
+            <a:endParaRPr lang="en-US"/>
+          </a:p>
+        </p:txBody>
+      </p:sp>
+      <p:sp>
+        <p:nvSpPr>
+          <p:cNvPr id="4" name="Slide Number Placeholder 3"/>
+          <p:cNvSpPr>
+            <a:spLocks noGrp="1"/>
+          </p:cNvSpPr>
+          <p:nvPr>
+            <p:ph type="sldNum" sz="quarter" idx="12"/>
+          </p:nvPr>
+        </p:nvSpPr>
+        <p:spPr/>
+        <p:txBody>
+          <a:bodyPr/>
+          <a:lstStyle/>
+          <a:p>
+            <a:fld id="{FC66D6CE-B56B-447A-A58B-E2D6508578E9}" type="slidenum">
+              <a:rPr lang="en-US" smtClean="0"/>
+              <a:pPr/>
+              <a:t>10</a:t>
+            </a:fld>
+            <a:endParaRPr lang="en-US"/>
+          </a:p>
+        </p:txBody>
+      </p:sp>
+      <p:pic>
+        <p:nvPicPr>
+          <p:cNvPr id="5" name="Picture 3" descr="C:\Users\tdqua_000\Desktop\images38166_hiepsigt.jpg"/>
+          <p:cNvPicPr>
+            <a:picLocks noChangeAspect="1" noChangeArrowheads="1"/>
+          </p:cNvPicPr>
+          <p:nvPr/>
+        </p:nvPicPr>
+        <p:blipFill>
+          <a:blip r:embed="rId2">
+            <a:extLst>
+              <a:ext uri="{28A0092B-C50C-407E-A947-70E740481C1C}">
+                <a14:useLocalDpi xmlns:a14="http://schemas.microsoft.com/office/drawing/2010/main" val="0"/>
+              </a:ext>
+            </a:extLst>
+          </a:blip>
+          <a:srcRect/>
+          <a:stretch>
+            <a:fillRect/>
+          </a:stretch>
+        </p:blipFill>
+        <p:spPr bwMode="auto">
+          <a:xfrm>
+            <a:off x="304800" y="1600200"/>
+            <a:ext cx="5324214" cy="3886200"/>
+          </a:xfrm>
+          <a:prstGeom prst="rect">
+            <a:avLst/>
+          </a:prstGeom>
+          <a:noFill/>
+          <a:extLst>
+            <a:ext uri="{909E8E84-426E-40DD-AFC4-6F175D3DCCD1}">
+              <a14:hiddenFill xmlns:a14="http://schemas.microsoft.com/office/drawing/2010/main">
+                <a:solidFill>
+                  <a:srgbClr val="FFFFFF"/>
+                </a:solidFill>
+              </a14:hiddenFill>
+            </a:ext>
+          </a:extLst>
+        </p:spPr>
+      </p:pic>
+    </p:spTree>
+    <p:extLst>
+      <p:ext uri="{BB962C8B-B14F-4D97-AF65-F5344CB8AC3E}">
+        <p14:creationId xmlns:p14="http://schemas.microsoft.com/office/powerpoint/2010/main" val="369003802"/>
+      </p:ext>
+    </p:extLst>
+  </p:cSld>
+  <p:clrMapOvr>
+    <a:masterClrMapping/>
+  </p:clrMapOvr>
+</p:sld>
+</file>
+
+<file path=ppt/slides/slide11.xml><?xml version="1.0" encoding="utf-8"?>
+<p:sld xmlns:a="http://schemas.openxmlformats.org/drawingml/2006/main" xmlns:r="http://schemas.openxmlformats.org/officeDocument/2006/relationships" xmlns:p="http://schemas.openxmlformats.org/presentationml/2006/main">
+  <p:cSld>
+    <p:spTree>
+      <p:nvGrpSpPr>
+        <p:cNvPr id="1" name=""/>
+        <p:cNvGrpSpPr/>
+        <p:nvPr/>
+      </p:nvGrpSpPr>
+      <p:grpSpPr>
+        <a:xfrm>
+          <a:off x="0" y="0"/>
+          <a:ext cx="0" cy="0"/>
+          <a:chOff x="0" y="0"/>
+          <a:chExt cx="0" cy="0"/>
+        </a:xfrm>
+      </p:grpSpPr>
+      <p:sp>
+        <p:nvSpPr>
+          <p:cNvPr id="2" name="Title 1"/>
+          <p:cNvSpPr>
+            <a:spLocks noGrp="1"/>
+          </p:cNvSpPr>
+          <p:nvPr>
+            <p:ph type="title"/>
+          </p:nvPr>
+        </p:nvSpPr>
+        <p:spPr/>
+        <p:txBody>
+          <a:bodyPr/>
+          <a:lstStyle/>
+          <a:p>
+            <a:r>
+              <a:rPr lang="en-US" smtClean="0"/>
+              <a:t>Demo</a:t>
+            </a:r>
+            <a:endParaRPr lang="en-US"/>
+          </a:p>
+        </p:txBody>
+      </p:sp>
+      <p:sp>
+        <p:nvSpPr>
+          <p:cNvPr id="3" name="Content Placeholder 2"/>
+          <p:cNvSpPr>
+            <a:spLocks noGrp="1"/>
+          </p:cNvSpPr>
+          <p:nvPr>
+            <p:ph idx="1"/>
+          </p:nvPr>
+        </p:nvSpPr>
+        <p:spPr/>
+        <p:txBody>
+          <a:bodyPr/>
+          <a:lstStyle/>
+          <a:p>
+            <a:pPr marL="457200" indent="-457200">
+              <a:buFont typeface="Arial" pitchFamily="34" charset="0"/>
+              <a:buChar char="•"/>
+            </a:pPr>
+            <a:r>
+              <a:rPr lang="en-US" smtClean="0"/>
+              <a:t>Microworker sends traffic status</a:t>
+            </a:r>
+          </a:p>
+          <a:p>
+            <a:pPr marL="457200" indent="-457200">
+              <a:buFont typeface="Arial" pitchFamily="34" charset="0"/>
+              <a:buChar char="•"/>
+            </a:pPr>
+            <a:r>
+              <a:rPr lang="en-US" smtClean="0"/>
+              <a:t>User checks traffic status</a:t>
+            </a:r>
+          </a:p>
+          <a:p>
+            <a:pPr marL="457200" indent="-457200">
+              <a:buFont typeface="Arial" pitchFamily="34" charset="0"/>
+              <a:buChar char="•"/>
+            </a:pPr>
+            <a:r>
+              <a:rPr lang="en-US" smtClean="0"/>
+              <a:t>Web query</a:t>
+            </a:r>
+            <a:endParaRPr lang="en-US"/>
+          </a:p>
+        </p:txBody>
+      </p:sp>
+      <p:sp>
+        <p:nvSpPr>
+          <p:cNvPr id="4" name="Slide Number Placeholder 3"/>
+          <p:cNvSpPr>
+            <a:spLocks noGrp="1"/>
+          </p:cNvSpPr>
+          <p:nvPr>
+            <p:ph type="sldNum" sz="quarter" idx="12"/>
+          </p:nvPr>
+        </p:nvSpPr>
+        <p:spPr/>
+        <p:txBody>
+          <a:bodyPr/>
+          <a:lstStyle/>
+          <a:p>
+            <a:fld id="{FC66D6CE-B56B-447A-A58B-E2D6508578E9}" type="slidenum">
+              <a:rPr lang="en-US" smtClean="0"/>
+              <a:pPr/>
+              <a:t>11</a:t>
+            </a:fld>
+            <a:endParaRPr lang="en-US"/>
+          </a:p>
+        </p:txBody>
+      </p:sp>
+    </p:spTree>
+    <p:extLst>
+      <p:ext uri="{BB962C8B-B14F-4D97-AF65-F5344CB8AC3E}">
+        <p14:creationId xmlns:p14="http://schemas.microsoft.com/office/powerpoint/2010/main" val="3851276250"/>
+      </p:ext>
+    </p:extLst>
+  </p:cSld>
+  <p:clrMapOvr>
+    <a:masterClrMapping/>
+  </p:clrMapOvr>
+  <p:timing>
+    <p:tnLst>
+      <p:par>
+        <p:cTn id="1" dur="indefinite" restart="never" nodeType="tmRoot"/>
+      </p:par>
+    </p:tnLst>
+  </p:timing>
+</p:sld>
+</file>
+
+<file path=ppt/slides/slide12.xml><?xml version="1.0" encoding="utf-8"?>
+<p:sld xmlns:a="http://schemas.openxmlformats.org/drawingml/2006/main" xmlns:r="http://schemas.openxmlformats.org/officeDocument/2006/relationships" xmlns:p="http://schemas.openxmlformats.org/presentationml/2006/main">
+  <p:cSld>
+    <p:spTree>
+      <p:nvGrpSpPr>
+        <p:cNvPr id="1" name=""/>
+        <p:cNvGrpSpPr/>
+        <p:nvPr/>
+      </p:nvGrpSpPr>
+      <p:grpSpPr>
+        <a:xfrm>
+          <a:off x="0" y="0"/>
+          <a:ext cx="0" cy="0"/>
+          <a:chOff x="0" y="0"/>
+          <a:chExt cx="0" cy="0"/>
+        </a:xfrm>
+      </p:grpSpPr>
+      <p:sp>
+        <p:nvSpPr>
+          <p:cNvPr id="2" name="Title 1"/>
+          <p:cNvSpPr>
+            <a:spLocks noGrp="1"/>
+          </p:cNvSpPr>
+          <p:nvPr>
+            <p:ph type="title"/>
+          </p:nvPr>
+        </p:nvSpPr>
+        <p:spPr/>
+        <p:txBody>
+          <a:bodyPr/>
+          <a:lstStyle/>
+          <a:p>
+            <a:r>
+              <a:rPr lang="en-US" smtClean="0"/>
+              <a:t>Update traffic info</a:t>
+            </a:r>
+            <a:endParaRPr lang="en-US"/>
+          </a:p>
+        </p:txBody>
+      </p:sp>
+      <p:sp>
+        <p:nvSpPr>
+          <p:cNvPr id="3" name="Content Placeholder 2"/>
+          <p:cNvSpPr>
+            <a:spLocks noGrp="1"/>
+          </p:cNvSpPr>
+          <p:nvPr>
+            <p:ph idx="1"/>
+          </p:nvPr>
+        </p:nvSpPr>
+        <p:spPr>
+          <a:xfrm>
+            <a:off x="4114800" y="1600200"/>
+            <a:ext cx="4876800" cy="4724400"/>
+          </a:xfrm>
+        </p:spPr>
+        <p:txBody>
+          <a:bodyPr/>
+          <a:lstStyle/>
+          <a:p>
+            <a:r>
+              <a:rPr lang="en-US" smtClean="0"/>
+              <a:t>Mindset: Quick</a:t>
+            </a:r>
+          </a:p>
+          <a:p>
+            <a:r>
+              <a:rPr lang="en-US" smtClean="0"/>
+              <a:t>Auto detect location address</a:t>
+            </a:r>
+            <a:endParaRPr lang="en-US"/>
+          </a:p>
+        </p:txBody>
+      </p:sp>
+      <p:sp>
+        <p:nvSpPr>
+          <p:cNvPr id="4" name="Slide Number Placeholder 3"/>
+          <p:cNvSpPr>
+            <a:spLocks noGrp="1"/>
+          </p:cNvSpPr>
+          <p:nvPr>
+            <p:ph type="sldNum" sz="quarter" idx="12"/>
+          </p:nvPr>
+        </p:nvSpPr>
+        <p:spPr/>
+        <p:txBody>
+          <a:bodyPr/>
+          <a:lstStyle/>
+          <a:p>
+            <a:fld id="{FC66D6CE-B56B-447A-A58B-E2D6508578E9}" type="slidenum">
+              <a:rPr lang="en-US" smtClean="0"/>
+              <a:pPr/>
+              <a:t>12</a:t>
+            </a:fld>
+            <a:endParaRPr lang="en-US"/>
+          </a:p>
+        </p:txBody>
+      </p:sp>
+      <p:pic>
+        <p:nvPicPr>
+          <p:cNvPr id="6146" name="Picture 2" descr="C:\Users\tdqua_000\Pictures\From NOKIA Lumia 710\Saved pictures\Screen Capture (5).jpg"/>
+          <p:cNvPicPr>
+            <a:picLocks noChangeAspect="1" noChangeArrowheads="1"/>
+          </p:cNvPicPr>
+          <p:nvPr/>
+        </p:nvPicPr>
+        <p:blipFill>
+          <a:blip r:embed="rId2">
+            <a:extLst>
+              <a:ext uri="{28A0092B-C50C-407E-A947-70E740481C1C}">
+                <a14:useLocalDpi xmlns:a14="http://schemas.microsoft.com/office/drawing/2010/main" val="0"/>
+              </a:ext>
+            </a:extLst>
+          </a:blip>
+          <a:srcRect/>
+          <a:stretch>
+            <a:fillRect/>
+          </a:stretch>
+        </p:blipFill>
+        <p:spPr bwMode="auto">
+          <a:xfrm>
+            <a:off x="533400" y="1627908"/>
+            <a:ext cx="2971800" cy="4952999"/>
+          </a:xfrm>
+          <a:prstGeom prst="rect">
+            <a:avLst/>
+          </a:prstGeom>
+          <a:noFill/>
+          <a:extLst>
+            <a:ext uri="{909E8E84-426E-40DD-AFC4-6F175D3DCCD1}">
+              <a14:hiddenFill xmlns:a14="http://schemas.microsoft.com/office/drawing/2010/main">
+                <a:solidFill>
+                  <a:srgbClr val="FFFFFF"/>
+                </a:solidFill>
+              </a14:hiddenFill>
+            </a:ext>
+          </a:extLst>
+        </p:spPr>
+      </p:pic>
+      <p:sp>
+        <p:nvSpPr>
+          <p:cNvPr id="5" name="Explosion 1 4"/>
+          <p:cNvSpPr/>
+          <p:nvPr/>
+        </p:nvSpPr>
+        <p:spPr>
+          <a:xfrm>
+            <a:off x="3810000" y="2975266"/>
+            <a:ext cx="2819400" cy="1371600"/>
+          </a:xfrm>
+          <a:prstGeom prst="irregularSeal1">
+            <a:avLst/>
+          </a:prstGeom>
+          <a:solidFill>
+            <a:srgbClr val="FFC000"/>
+          </a:solidFill>
+        </p:spPr>
+        <p:style>
+          <a:lnRef idx="1">
+            <a:schemeClr val="accent1"/>
+          </a:lnRef>
+          <a:fillRef idx="2">
+            <a:schemeClr val="accent1"/>
+          </a:fillRef>
+          <a:effectRef idx="1">
+            <a:schemeClr val="accent1"/>
+          </a:effectRef>
+          <a:fontRef idx="minor">
+            <a:schemeClr val="dk1"/>
+          </a:fontRef>
+        </p:style>
+        <p:txBody>
+          <a:bodyPr rtlCol="0" anchor="ctr"/>
+          <a:lstStyle/>
+          <a:p>
+            <a:pPr algn="ctr"/>
+            <a:r>
+              <a:rPr lang="en-US" smtClean="0"/>
+              <a:t>Faster</a:t>
+            </a:r>
+            <a:endParaRPr lang="en-US"/>
+          </a:p>
+        </p:txBody>
+      </p:sp>
+      <p:sp>
+        <p:nvSpPr>
+          <p:cNvPr id="7" name="Explosion 1 6"/>
+          <p:cNvSpPr/>
+          <p:nvPr/>
+        </p:nvSpPr>
+        <p:spPr>
+          <a:xfrm>
+            <a:off x="3657600" y="4419600"/>
+            <a:ext cx="2819400" cy="1371600"/>
+          </a:xfrm>
+          <a:prstGeom prst="irregularSeal1">
+            <a:avLst/>
+          </a:prstGeom>
+          <a:solidFill>
+            <a:srgbClr val="FFC000"/>
+          </a:solidFill>
+        </p:spPr>
+        <p:style>
+          <a:lnRef idx="1">
+            <a:schemeClr val="accent1"/>
+          </a:lnRef>
+          <a:fillRef idx="2">
+            <a:schemeClr val="accent1"/>
+          </a:fillRef>
+          <a:effectRef idx="1">
+            <a:schemeClr val="accent1"/>
+          </a:effectRef>
+          <a:fontRef idx="minor">
+            <a:schemeClr val="dk1"/>
+          </a:fontRef>
+        </p:style>
+        <p:txBody>
+          <a:bodyPr rtlCol="0" anchor="ctr"/>
+          <a:lstStyle/>
+          <a:p>
+            <a:pPr algn="ctr"/>
+            <a:r>
+              <a:rPr lang="en-US" smtClean="0"/>
+              <a:t>More Accuracy</a:t>
+            </a:r>
+            <a:endParaRPr lang="en-US"/>
+          </a:p>
+        </p:txBody>
+      </p:sp>
+      <p:sp>
+        <p:nvSpPr>
+          <p:cNvPr id="8" name="Explosion 1 7"/>
+          <p:cNvSpPr/>
+          <p:nvPr/>
+        </p:nvSpPr>
+        <p:spPr>
+          <a:xfrm>
+            <a:off x="6172200" y="3886200"/>
+            <a:ext cx="2819400" cy="1371600"/>
+          </a:xfrm>
+          <a:prstGeom prst="irregularSeal1">
+            <a:avLst/>
+          </a:prstGeom>
+          <a:solidFill>
+            <a:srgbClr val="FFC000"/>
+          </a:solidFill>
+        </p:spPr>
+        <p:style>
+          <a:lnRef idx="1">
+            <a:schemeClr val="accent1"/>
+          </a:lnRef>
+          <a:fillRef idx="2">
+            <a:schemeClr val="accent1"/>
+          </a:fillRef>
+          <a:effectRef idx="1">
+            <a:schemeClr val="accent1"/>
+          </a:effectRef>
+          <a:fontRef idx="minor">
+            <a:schemeClr val="dk1"/>
+          </a:fontRef>
+        </p:style>
+        <p:txBody>
+          <a:bodyPr rtlCol="0" anchor="ctr"/>
+          <a:lstStyle/>
+          <a:p>
+            <a:pPr algn="ctr"/>
+            <a:r>
+              <a:rPr lang="en-US" smtClean="0"/>
+              <a:t>Less Cost</a:t>
+            </a:r>
+            <a:endParaRPr lang="en-US"/>
+          </a:p>
+        </p:txBody>
+      </p:sp>
+    </p:spTree>
+    <p:extLst>
+      <p:ext uri="{BB962C8B-B14F-4D97-AF65-F5344CB8AC3E}">
+        <p14:creationId xmlns:p14="http://schemas.microsoft.com/office/powerpoint/2010/main" val="472468752"/>
+      </p:ext>
+    </p:extLst>
+  </p:cSld>
+  <p:clrMapOvr>
+    <a:masterClrMapping/>
+  </p:clrMapOvr>
+</p:sld>
+</file>
+
+<file path=ppt/slides/slide13.xml><?xml version="1.0" encoding="utf-8"?>
+<p:sld xmlns:a="http://schemas.openxmlformats.org/drawingml/2006/main" xmlns:r="http://schemas.openxmlformats.org/officeDocument/2006/relationships" xmlns:p="http://schemas.openxmlformats.org/presentationml/2006/main">
+  <p:cSld>
+    <p:spTree>
+      <p:nvGrpSpPr>
+        <p:cNvPr id="1" name=""/>
+        <p:cNvGrpSpPr/>
+        <p:nvPr/>
+      </p:nvGrpSpPr>
+      <p:grpSpPr>
+        <a:xfrm>
+          <a:off x="0" y="0"/>
+          <a:ext cx="0" cy="0"/>
+          <a:chOff x="0" y="0"/>
+          <a:chExt cx="0" cy="0"/>
+        </a:xfrm>
+      </p:grpSpPr>
+      <p:sp>
+        <p:nvSpPr>
+          <p:cNvPr id="2" name="Title 1"/>
+          <p:cNvSpPr>
+            <a:spLocks noGrp="1"/>
+          </p:cNvSpPr>
+          <p:nvPr>
+            <p:ph type="title"/>
+          </p:nvPr>
+        </p:nvSpPr>
+        <p:spPr/>
+        <p:txBody>
+          <a:bodyPr/>
+          <a:lstStyle/>
+          <a:p>
+            <a:r>
+              <a:rPr lang="en-US" smtClean="0"/>
+              <a:t>Check traffic status</a:t>
+            </a:r>
+            <a:endParaRPr lang="en-US"/>
+          </a:p>
+        </p:txBody>
+      </p:sp>
+      <p:sp>
+        <p:nvSpPr>
+          <p:cNvPr id="4" name="Slide Number Placeholder 3"/>
+          <p:cNvSpPr>
+            <a:spLocks noGrp="1"/>
+          </p:cNvSpPr>
+          <p:nvPr>
+            <p:ph type="sldNum" sz="quarter" idx="12"/>
+          </p:nvPr>
+        </p:nvSpPr>
+        <p:spPr/>
+        <p:txBody>
+          <a:bodyPr/>
+          <a:lstStyle/>
+          <a:p>
+            <a:fld id="{FC66D6CE-B56B-447A-A58B-E2D6508578E9}" type="slidenum">
+              <a:rPr lang="en-US" smtClean="0"/>
+              <a:pPr/>
+              <a:t>13</a:t>
+            </a:fld>
+            <a:endParaRPr lang="en-US"/>
+          </a:p>
+        </p:txBody>
+      </p:sp>
+      <p:pic>
+        <p:nvPicPr>
+          <p:cNvPr id="7170" name="Picture 2" descr="C:\Users\tdqua_000\Pictures\From NOKIA Lumia 710\Saved pictures\Screen Capture (7).jpg"/>
+          <p:cNvPicPr>
+            <a:picLocks noChangeAspect="1" noChangeArrowheads="1"/>
+          </p:cNvPicPr>
+          <p:nvPr/>
+        </p:nvPicPr>
+        <p:blipFill>
+          <a:blip r:embed="rId2">
+            <a:extLst>
+              <a:ext uri="{28A0092B-C50C-407E-A947-70E740481C1C}">
+                <a14:useLocalDpi xmlns:a14="http://schemas.microsoft.com/office/drawing/2010/main" val="0"/>
+              </a:ext>
+            </a:extLst>
+          </a:blip>
+          <a:srcRect/>
+          <a:stretch>
+            <a:fillRect/>
+          </a:stretch>
+        </p:blipFill>
+        <p:spPr bwMode="auto">
+          <a:xfrm>
+            <a:off x="1295400" y="1600200"/>
+            <a:ext cx="2926081" cy="4876800"/>
+          </a:xfrm>
+          <a:prstGeom prst="rect">
+            <a:avLst/>
+          </a:prstGeom>
+          <a:noFill/>
+          <a:extLst>
+            <a:ext uri="{909E8E84-426E-40DD-AFC4-6F175D3DCCD1}">
+              <a14:hiddenFill xmlns:a14="http://schemas.microsoft.com/office/drawing/2010/main">
+                <a:solidFill>
+                  <a:srgbClr val="FFFFFF"/>
+                </a:solidFill>
+              </a14:hiddenFill>
+            </a:ext>
+          </a:extLst>
+        </p:spPr>
+      </p:pic>
+      <p:pic>
+        <p:nvPicPr>
+          <p:cNvPr id="7171" name="Picture 3" descr="C:\Users\tdqua_000\Pictures\From NOKIA Lumia 710\Saved pictures\Screen Capture (8).jpg"/>
+          <p:cNvPicPr>
+            <a:picLocks noChangeAspect="1" noChangeArrowheads="1"/>
+          </p:cNvPicPr>
+          <p:nvPr/>
+        </p:nvPicPr>
+        <p:blipFill>
+          <a:blip r:embed="rId3">
+            <a:extLst>
+              <a:ext uri="{28A0092B-C50C-407E-A947-70E740481C1C}">
+                <a14:useLocalDpi xmlns:a14="http://schemas.microsoft.com/office/drawing/2010/main" val="0"/>
+              </a:ext>
+            </a:extLst>
+          </a:blip>
+          <a:srcRect/>
+          <a:stretch>
+            <a:fillRect/>
+          </a:stretch>
+        </p:blipFill>
+        <p:spPr bwMode="auto">
+          <a:xfrm>
+            <a:off x="4800600" y="1600200"/>
+            <a:ext cx="2853455" cy="4755757"/>
+          </a:xfrm>
+          <a:prstGeom prst="rect">
+            <a:avLst/>
+          </a:prstGeom>
+          <a:noFill/>
+          <a:extLst>
+            <a:ext uri="{909E8E84-426E-40DD-AFC4-6F175D3DCCD1}">
+              <a14:hiddenFill xmlns:a14="http://schemas.microsoft.com/office/drawing/2010/main">
+                <a:solidFill>
+                  <a:srgbClr val="FFFFFF"/>
+                </a:solidFill>
+              </a14:hiddenFill>
+            </a:ext>
+          </a:extLst>
+        </p:spPr>
+      </p:pic>
+    </p:spTree>
+    <p:extLst>
+      <p:ext uri="{BB962C8B-B14F-4D97-AF65-F5344CB8AC3E}">
+        <p14:creationId xmlns:p14="http://schemas.microsoft.com/office/powerpoint/2010/main" val="3512877714"/>
+      </p:ext>
+    </p:extLst>
+  </p:cSld>
+  <p:clrMapOvr>
+    <a:masterClrMapping/>
+  </p:clrMapOvr>
+</p:sld>
+</file>
+
+<file path=ppt/slides/slide14.xml><?xml version="1.0" encoding="utf-8"?>
+<p:sld xmlns:a="http://schemas.openxmlformats.org/drawingml/2006/main" xmlns:r="http://schemas.openxmlformats.org/officeDocument/2006/relationships" xmlns:p="http://schemas.openxmlformats.org/presentationml/2006/main">
+  <p:cSld>
+    <p:spTree>
+      <p:nvGrpSpPr>
+        <p:cNvPr id="1" name=""/>
+        <p:cNvGrpSpPr/>
+        <p:nvPr/>
+      </p:nvGrpSpPr>
+      <p:grpSpPr>
+        <a:xfrm>
+          <a:off x="0" y="0"/>
+          <a:ext cx="0" cy="0"/>
+          <a:chOff x="0" y="0"/>
+          <a:chExt cx="0" cy="0"/>
+        </a:xfrm>
+      </p:grpSpPr>
+      <p:sp>
+        <p:nvSpPr>
+          <p:cNvPr id="2" name="Title 1"/>
+          <p:cNvSpPr>
+            <a:spLocks noGrp="1"/>
+          </p:cNvSpPr>
+          <p:nvPr>
+            <p:ph type="title"/>
+          </p:nvPr>
+        </p:nvSpPr>
+        <p:spPr/>
+        <p:txBody>
+          <a:bodyPr/>
+          <a:lstStyle/>
+          <a:p>
+            <a:r>
+              <a:rPr lang="en-US" smtClean="0"/>
+              <a:t>Web</a:t>
+            </a:r>
+            <a:endParaRPr lang="en-US"/>
+          </a:p>
+        </p:txBody>
+      </p:sp>
+      <p:sp>
+        <p:nvSpPr>
+          <p:cNvPr id="4" name="Slide Number Placeholder 3"/>
+          <p:cNvSpPr>
+            <a:spLocks noGrp="1"/>
+          </p:cNvSpPr>
+          <p:nvPr>
+            <p:ph type="sldNum" sz="quarter" idx="12"/>
+          </p:nvPr>
+        </p:nvSpPr>
+        <p:spPr/>
+        <p:txBody>
+          <a:bodyPr/>
+          <a:lstStyle/>
+          <a:p>
+            <a:fld id="{FC66D6CE-B56B-447A-A58B-E2D6508578E9}" type="slidenum">
+              <a:rPr lang="en-US" smtClean="0"/>
+              <a:pPr/>
+              <a:t>14</a:t>
+            </a:fld>
+            <a:endParaRPr lang="en-US"/>
+          </a:p>
+        </p:txBody>
+      </p:sp>
+      <p:pic>
+        <p:nvPicPr>
+          <p:cNvPr id="8194" name="Picture 2"/>
+          <p:cNvPicPr>
+            <a:picLocks noChangeAspect="1" noChangeArrowheads="1"/>
+          </p:cNvPicPr>
+          <p:nvPr/>
+        </p:nvPicPr>
+        <p:blipFill>
+          <a:blip r:embed="rId2">
+            <a:extLst>
+              <a:ext uri="{28A0092B-C50C-407E-A947-70E740481C1C}">
+                <a14:useLocalDpi xmlns:a14="http://schemas.microsoft.com/office/drawing/2010/main" val="0"/>
+              </a:ext>
+            </a:extLst>
+          </a:blip>
+          <a:srcRect/>
+          <a:stretch>
+            <a:fillRect/>
+          </a:stretch>
+        </p:blipFill>
+        <p:spPr bwMode="auto">
+          <a:xfrm>
+            <a:off x="762000" y="1676400"/>
+            <a:ext cx="7239000" cy="4669355"/>
+          </a:xfrm>
+          <a:prstGeom prst="rect">
+            <a:avLst/>
+          </a:prstGeom>
+          <a:ln>
+            <a:noFill/>
+          </a:ln>
+          <a:effectLst>
+            <a:softEdge rad="112500"/>
+          </a:effectLst>
+          <a:extLst>
+            <a:ext uri="{909E8E84-426E-40DD-AFC4-6F175D3DCCD1}">
+              <a14:hiddenFill xmlns:a14="http://schemas.microsoft.com/office/drawing/2010/main">
+                <a:solidFill>
+                  <a:schemeClr val="accent1"/>
+                </a:solidFill>
+              </a14:hiddenFill>
+            </a:ext>
+            <a:ext uri="{91240B29-F687-4F45-9708-019B960494DF}">
+              <a14:hiddenLine xmlns:a14="http://schemas.microsoft.com/office/drawing/2010/main" w="9525">
+                <a:solidFill>
+                  <a:schemeClr val="tx1"/>
+                </a:solidFill>
+                <a:miter lim="800000"/>
+                <a:headEnd/>
+                <a:tailEnd/>
+              </a14:hiddenLine>
+            </a:ext>
+            <a:ext uri="{AF507438-7753-43E0-B8FC-AC1667EBCBE1}">
+              <a14:hiddenEffects xmlns:a14="http://schemas.microsoft.com/office/drawing/2010/main">
+                <a:effectLst>
+                  <a:outerShdw dist="35921" dir="2700000" algn="ctr" rotWithShape="0">
+                    <a:schemeClr val="bg2"/>
+                  </a:outerShdw>
+                </a:effectLst>
+              </a14:hiddenEffects>
+            </a:ext>
+          </a:extLst>
+        </p:spPr>
+      </p:pic>
+    </p:spTree>
+    <p:extLst>
+      <p:ext uri="{BB962C8B-B14F-4D97-AF65-F5344CB8AC3E}">
+        <p14:creationId xmlns:p14="http://schemas.microsoft.com/office/powerpoint/2010/main" val="3312341315"/>
+      </p:ext>
+    </p:extLst>
+  </p:cSld>
+  <p:clrMapOvr>
+    <a:masterClrMapping/>
+  </p:clrMapOvr>
+  <p:timing>
+    <p:tnLst>
+      <p:par>
+        <p:cTn id="1" dur="indefinite" restart="never" nodeType="tmRoot"/>
+      </p:par>
+    </p:tnLst>
+  </p:timing>
+</p:sld>
+</file>
+
+<file path=ppt/slides/slide15.xml><?xml version="1.0" encoding="utf-8"?>
+<p:sld xmlns:a="http://schemas.openxmlformats.org/drawingml/2006/main" xmlns:r="http://schemas.openxmlformats.org/officeDocument/2006/relationships" xmlns:p="http://schemas.openxmlformats.org/presentationml/2006/main">
+  <p:cSld>
+    <p:spTree>
+      <p:nvGrpSpPr>
+        <p:cNvPr id="1" name=""/>
+        <p:cNvGrpSpPr/>
+        <p:nvPr/>
+      </p:nvGrpSpPr>
+      <p:grpSpPr>
+        <a:xfrm>
+          <a:off x="0" y="0"/>
+          <a:ext cx="0" cy="0"/>
+          <a:chOff x="0" y="0"/>
+          <a:chExt cx="0" cy="0"/>
+        </a:xfrm>
+      </p:grpSpPr>
+      <p:sp>
+        <p:nvSpPr>
+          <p:cNvPr id="2" name="Title 1"/>
+          <p:cNvSpPr>
+            <a:spLocks noGrp="1"/>
+          </p:cNvSpPr>
+          <p:nvPr>
+            <p:ph type="title"/>
+          </p:nvPr>
+        </p:nvSpPr>
+        <p:spPr/>
+        <p:txBody>
+          <a:bodyPr/>
+          <a:lstStyle/>
+          <a:p>
+            <a:r>
+              <a:rPr lang="en-US" smtClean="0"/>
+              <a:t>Future work</a:t>
+            </a:r>
+            <a:endParaRPr lang="en-US"/>
+          </a:p>
+        </p:txBody>
+      </p:sp>
+      <p:sp>
+        <p:nvSpPr>
+          <p:cNvPr id="3" name="Content Placeholder 2"/>
+          <p:cNvSpPr>
+            <a:spLocks noGrp="1"/>
+          </p:cNvSpPr>
+          <p:nvPr>
+            <p:ph idx="1"/>
+          </p:nvPr>
+        </p:nvSpPr>
+        <p:spPr/>
+        <p:txBody>
+          <a:bodyPr/>
+          <a:lstStyle/>
+          <a:p>
+            <a:pPr marL="457200" indent="-457200">
+              <a:buFont typeface="Arial" pitchFamily="34" charset="0"/>
+              <a:buChar char="•"/>
+            </a:pPr>
+            <a:r>
+              <a:rPr lang="en-US" smtClean="0"/>
+              <a:t>Live time traffic status service: API, location-based application</a:t>
+            </a:r>
+          </a:p>
+          <a:p>
+            <a:pPr marL="457200" indent="-457200">
+              <a:buFont typeface="Arial" pitchFamily="34" charset="0"/>
+              <a:buChar char="•"/>
+            </a:pPr>
+            <a:r>
+              <a:rPr lang="en-US" smtClean="0"/>
+              <a:t>Path finding</a:t>
+            </a:r>
+          </a:p>
+        </p:txBody>
+      </p:sp>
+      <p:sp>
+        <p:nvSpPr>
+          <p:cNvPr id="4" name="Slide Number Placeholder 3"/>
+          <p:cNvSpPr>
+            <a:spLocks noGrp="1"/>
+          </p:cNvSpPr>
+          <p:nvPr>
+            <p:ph type="sldNum" sz="quarter" idx="12"/>
+          </p:nvPr>
+        </p:nvSpPr>
+        <p:spPr/>
+        <p:txBody>
+          <a:bodyPr/>
+          <a:lstStyle/>
+          <a:p>
+            <a:fld id="{FC66D6CE-B56B-447A-A58B-E2D6508578E9}" type="slidenum">
+              <a:rPr lang="en-US" smtClean="0"/>
+              <a:pPr/>
+              <a:t>15</a:t>
+            </a:fld>
+            <a:endParaRPr lang="en-US"/>
+          </a:p>
+        </p:txBody>
+      </p:sp>
+    </p:spTree>
+    <p:extLst>
+      <p:ext uri="{BB962C8B-B14F-4D97-AF65-F5344CB8AC3E}">
+        <p14:creationId xmlns:p14="http://schemas.microsoft.com/office/powerpoint/2010/main" val="3958127987"/>
+      </p:ext>
+    </p:extLst>
+  </p:cSld>
+  <p:clrMapOvr>
+    <a:masterClrMapping/>
+  </p:clrMapOvr>
+</p:sld>
+</file>
+
 <file path=ppt/slides/slide2.xml><?xml version="1.0" encoding="utf-8"?>
 <p:sld xmlns:a="http://schemas.openxmlformats.org/drawingml/2006/main" xmlns:r="http://schemas.openxmlformats.org/officeDocument/2006/relationships" xmlns:p="http://schemas.openxmlformats.org/presentationml/2006/main">
   <p:cSld>
@@ -3915,8 +4914,8 @@
         </p:blipFill>
         <p:spPr bwMode="auto">
           <a:xfrm>
-            <a:off x="228600" y="3200400"/>
-            <a:ext cx="3430066" cy="3334120"/>
+            <a:off x="914400" y="3733800"/>
+            <a:ext cx="2586963" cy="2514600"/>
           </a:xfrm>
           <a:prstGeom prst="rect">
             <a:avLst/>
@@ -4003,8 +5002,8 @@
         </p:blipFill>
         <p:spPr bwMode="auto">
           <a:xfrm>
-            <a:off x="3832860" y="2057400"/>
-            <a:ext cx="4800600" cy="2667000"/>
+            <a:off x="3962400" y="1905000"/>
+            <a:ext cx="4389120" cy="2438400"/>
           </a:xfrm>
           <a:prstGeom prst="rect">
             <a:avLst/>
@@ -4075,7 +5074,7 @@
           <a:p>
             <a:r>
               <a:rPr lang="en-US" smtClean="0"/>
-              <a:t>Live traffic update</a:t>
+              <a:t>Solution</a:t>
             </a:r>
             <a:endParaRPr lang="en-US"/>
           </a:p>
@@ -4107,14 +5106,14 @@
       </p:sp>
       <p:pic>
         <p:nvPicPr>
-          <p:cNvPr id="3074" name="Picture 2" descr="C:\Users\tdqua_000\Desktop\mobile-network-operators-set-cps-a-puzzle-0.jpg"/>
+          <p:cNvPr id="1026" name="Picture 2" descr="C:\Users\tdqua_000\Desktop\server.jpg"/>
           <p:cNvPicPr>
             <a:picLocks noChangeAspect="1" noChangeArrowheads="1"/>
           </p:cNvPicPr>
           <p:nvPr/>
         </p:nvPicPr>
         <p:blipFill>
-          <a:blip r:embed="rId2">
+          <a:blip r:embed="rId2" cstate="print">
             <a:extLst>
               <a:ext uri="{28A0092B-C50C-407E-A947-70E740481C1C}">
                 <a14:useLocalDpi xmlns:a14="http://schemas.microsoft.com/office/drawing/2010/main" val="0"/>
@@ -4128,8 +5127,8 @@
         </p:blipFill>
         <p:spPr bwMode="auto">
           <a:xfrm>
-            <a:off x="609600" y="2057400"/>
-            <a:ext cx="4762500" cy="3171825"/>
+            <a:off x="3521689" y="1471352"/>
+            <a:ext cx="1464324" cy="1409946"/>
           </a:xfrm>
           <a:prstGeom prst="rect">
             <a:avLst/>
@@ -4148,14 +5147,14 @@
       </p:pic>
       <p:pic>
         <p:nvPicPr>
-          <p:cNvPr id="3075" name="Picture 3" descr="F:\Resources\Old\Icons\oxygen-refit\actions\stock_mail-filters-apply.png"/>
+          <p:cNvPr id="1027" name="Picture 3" descr="C:\Users\tdqua_000\Desktop\Nokia-Lumia-710-T-Mobile.jpg"/>
           <p:cNvPicPr>
             <a:picLocks noChangeAspect="1" noChangeArrowheads="1"/>
           </p:cNvPicPr>
           <p:nvPr/>
         </p:nvPicPr>
         <p:blipFill>
-          <a:blip r:embed="rId3">
+          <a:blip r:embed="rId3" cstate="print">
             <a:extLst>
               <a:ext uri="{28A0092B-C50C-407E-A947-70E740481C1C}">
                 <a14:useLocalDpi xmlns:a14="http://schemas.microsoft.com/office/drawing/2010/main" val="0"/>
@@ -4169,8 +5168,8 @@
         </p:blipFill>
         <p:spPr bwMode="auto">
           <a:xfrm>
-            <a:off x="5589987" y="3234927"/>
-            <a:ext cx="816770" cy="816770"/>
+            <a:off x="1214486" y="4191000"/>
+            <a:ext cx="1210333" cy="1219200"/>
           </a:xfrm>
           <a:prstGeom prst="rect">
             <a:avLst/>
@@ -4189,14 +5188,14 @@
       </p:pic>
       <p:pic>
         <p:nvPicPr>
-          <p:cNvPr id="3076" name="Picture 4" descr="F:\Resources\Old\Icons\oxygen-refit\actions\stock_timezone.png"/>
+          <p:cNvPr id="1028" name="Picture 4"/>
           <p:cNvPicPr>
             <a:picLocks noChangeAspect="1" noChangeArrowheads="1"/>
           </p:cNvPicPr>
           <p:nvPr/>
         </p:nvPicPr>
         <p:blipFill>
-          <a:blip r:embed="rId4">
+          <a:blip r:embed="rId4" cstate="print">
             <a:extLst>
               <a:ext uri="{28A0092B-C50C-407E-A947-70E740481C1C}">
                 <a14:useLocalDpi xmlns:a14="http://schemas.microsoft.com/office/drawing/2010/main" val="0"/>
@@ -4210,299 +5209,8 @@
         </p:blipFill>
         <p:spPr bwMode="auto">
           <a:xfrm>
-            <a:off x="6705600" y="2555675"/>
-            <a:ext cx="2175273" cy="2175273"/>
-          </a:xfrm>
-          <a:prstGeom prst="rect">
-            <a:avLst/>
-          </a:prstGeom>
-          <a:noFill/>
-          <a:extLst>
-            <a:ext uri="{909E8E84-426E-40DD-AFC4-6F175D3DCCD1}">
-              <a14:hiddenFill xmlns:a14="http://schemas.microsoft.com/office/drawing/2010/main">
-                <a:solidFill>
-                  <a:srgbClr val="FFFFFF"/>
-                </a:solidFill>
-              </a14:hiddenFill>
-            </a:ext>
-          </a:extLst>
-        </p:spPr>
-      </p:pic>
-    </p:spTree>
-    <p:extLst>
-      <p:ext uri="{BB962C8B-B14F-4D97-AF65-F5344CB8AC3E}">
-        <p14:creationId xmlns:p14="http://schemas.microsoft.com/office/powerpoint/2010/main" val="3270547096"/>
-      </p:ext>
-    </p:extLst>
-  </p:cSld>
-  <p:clrMapOvr>
-    <a:masterClrMapping/>
-  </p:clrMapOvr>
-  <p:timing>
-    <p:tnLst>
-      <p:par>
-        <p:cTn id="1" dur="indefinite" restart="never" nodeType="tmRoot"/>
-      </p:par>
-    </p:tnLst>
-  </p:timing>
-</p:sld>
-</file>
-
-<file path=ppt/slides/slide4.xml><?xml version="1.0" encoding="utf-8"?>
-<p:sld xmlns:a="http://schemas.openxmlformats.org/drawingml/2006/main" xmlns:r="http://schemas.openxmlformats.org/officeDocument/2006/relationships" xmlns:p="http://schemas.openxmlformats.org/presentationml/2006/main">
-  <p:cSld>
-    <p:spTree>
-      <p:nvGrpSpPr>
-        <p:cNvPr id="1" name=""/>
-        <p:cNvGrpSpPr/>
-        <p:nvPr/>
-      </p:nvGrpSpPr>
-      <p:grpSpPr>
-        <a:xfrm>
-          <a:off x="0" y="0"/>
-          <a:ext cx="0" cy="0"/>
-          <a:chOff x="0" y="0"/>
-          <a:chExt cx="0" cy="0"/>
-        </a:xfrm>
-      </p:grpSpPr>
-      <p:sp>
-        <p:nvSpPr>
-          <p:cNvPr id="2" name="Title 1"/>
-          <p:cNvSpPr>
-            <a:spLocks noGrp="1"/>
-          </p:cNvSpPr>
-          <p:nvPr>
-            <p:ph type="title"/>
-          </p:nvPr>
-        </p:nvSpPr>
-        <p:spPr/>
-        <p:txBody>
-          <a:bodyPr/>
-          <a:lstStyle/>
-          <a:p>
-            <a:r>
-              <a:rPr lang="en-US" smtClean="0"/>
-              <a:t>Query situation ahead</a:t>
-            </a:r>
-            <a:endParaRPr lang="en-US"/>
-          </a:p>
-        </p:txBody>
-      </p:sp>
-      <p:sp>
-        <p:nvSpPr>
-          <p:cNvPr id="4" name="Slide Number Placeholder 3"/>
-          <p:cNvSpPr>
-            <a:spLocks noGrp="1"/>
-          </p:cNvSpPr>
-          <p:nvPr>
-            <p:ph type="sldNum" sz="quarter" idx="12"/>
-          </p:nvPr>
-        </p:nvSpPr>
-        <p:spPr/>
-        <p:txBody>
-          <a:bodyPr/>
-          <a:lstStyle/>
-          <a:p>
-            <a:fld id="{FC66D6CE-B56B-447A-A58B-E2D6508578E9}" type="slidenum">
-              <a:rPr lang="en-US" smtClean="0"/>
-              <a:pPr/>
-              <a:t>4</a:t>
-            </a:fld>
-            <a:endParaRPr lang="en-US"/>
-          </a:p>
-        </p:txBody>
-      </p:sp>
-      <p:pic>
-        <p:nvPicPr>
-          <p:cNvPr id="1027" name="Picture 3" descr="C:\Users\tdqua_000\Desktop\3D Character (45).jpg"/>
-          <p:cNvPicPr>
-            <a:picLocks noChangeAspect="1" noChangeArrowheads="1"/>
-          </p:cNvPicPr>
-          <p:nvPr/>
-        </p:nvPicPr>
-        <p:blipFill>
-          <a:blip r:embed="rId2">
-            <a:extLst>
-              <a:ext uri="{28A0092B-C50C-407E-A947-70E740481C1C}">
-                <a14:useLocalDpi xmlns:a14="http://schemas.microsoft.com/office/drawing/2010/main" val="0"/>
-              </a:ext>
-            </a:extLst>
-          </a:blip>
-          <a:srcRect/>
-          <a:stretch>
-            <a:fillRect/>
-          </a:stretch>
-        </p:blipFill>
-        <p:spPr bwMode="auto">
-          <a:xfrm>
-            <a:off x="3886200" y="1991591"/>
-            <a:ext cx="4368800" cy="3276600"/>
-          </a:xfrm>
-          <a:prstGeom prst="rect">
-            <a:avLst/>
-          </a:prstGeom>
-          <a:noFill/>
-          <a:extLst>
-            <a:ext uri="{909E8E84-426E-40DD-AFC4-6F175D3DCCD1}">
-              <a14:hiddenFill xmlns:a14="http://schemas.microsoft.com/office/drawing/2010/main">
-                <a:solidFill>
-                  <a:srgbClr val="FFFFFF"/>
-                </a:solidFill>
-              </a14:hiddenFill>
-            </a:ext>
-          </a:extLst>
-        </p:spPr>
-      </p:pic>
-      <p:pic>
-        <p:nvPicPr>
-          <p:cNvPr id="1029" name="Picture 5" descr="F:\Resources\Old\Icons\oxygen-refit\actions\go-jump.png"/>
-          <p:cNvPicPr>
-            <a:picLocks noChangeAspect="1" noChangeArrowheads="1"/>
-          </p:cNvPicPr>
-          <p:nvPr/>
-        </p:nvPicPr>
-        <p:blipFill>
-          <a:blip r:embed="rId3">
-            <a:extLst>
-              <a:ext uri="{28A0092B-C50C-407E-A947-70E740481C1C}">
-                <a14:useLocalDpi xmlns:a14="http://schemas.microsoft.com/office/drawing/2010/main" val="0"/>
-              </a:ext>
-            </a:extLst>
-          </a:blip>
-          <a:srcRect/>
-          <a:stretch>
-            <a:fillRect/>
-          </a:stretch>
-        </p:blipFill>
-        <p:spPr bwMode="auto">
-          <a:xfrm>
-            <a:off x="1129145" y="2372591"/>
-            <a:ext cx="2514600" cy="2514600"/>
-          </a:xfrm>
-          <a:prstGeom prst="rect">
-            <a:avLst/>
-          </a:prstGeom>
-          <a:noFill/>
-          <a:extLst>
-            <a:ext uri="{909E8E84-426E-40DD-AFC4-6F175D3DCCD1}">
-              <a14:hiddenFill xmlns:a14="http://schemas.microsoft.com/office/drawing/2010/main">
-                <a:solidFill>
-                  <a:srgbClr val="FFFFFF"/>
-                </a:solidFill>
-              </a14:hiddenFill>
-            </a:ext>
-          </a:extLst>
-        </p:spPr>
-      </p:pic>
-    </p:spTree>
-    <p:extLst>
-      <p:ext uri="{BB962C8B-B14F-4D97-AF65-F5344CB8AC3E}">
-        <p14:creationId xmlns:p14="http://schemas.microsoft.com/office/powerpoint/2010/main" val="3379297128"/>
-      </p:ext>
-    </p:extLst>
-  </p:cSld>
-  <p:clrMapOvr>
-    <a:masterClrMapping/>
-  </p:clrMapOvr>
-  <p:timing>
-    <p:tnLst>
-      <p:par>
-        <p:cTn id="1" dur="indefinite" restart="never" nodeType="tmRoot"/>
-      </p:par>
-    </p:tnLst>
-  </p:timing>
-</p:sld>
-</file>
-
-<file path=ppt/slides/slide5.xml><?xml version="1.0" encoding="utf-8"?>
-<p:sld xmlns:a="http://schemas.openxmlformats.org/drawingml/2006/main" xmlns:r="http://schemas.openxmlformats.org/officeDocument/2006/relationships" xmlns:p="http://schemas.openxmlformats.org/presentationml/2006/main">
-  <p:cSld>
-    <p:spTree>
-      <p:nvGrpSpPr>
-        <p:cNvPr id="1" name=""/>
-        <p:cNvGrpSpPr/>
-        <p:nvPr/>
-      </p:nvGrpSpPr>
-      <p:grpSpPr>
-        <a:xfrm>
-          <a:off x="0" y="0"/>
-          <a:ext cx="0" cy="0"/>
-          <a:chOff x="0" y="0"/>
-          <a:chExt cx="0" cy="0"/>
-        </a:xfrm>
-      </p:grpSpPr>
-      <p:sp>
-        <p:nvSpPr>
-          <p:cNvPr id="2" name="Title 1"/>
-          <p:cNvSpPr>
-            <a:spLocks noGrp="1"/>
-          </p:cNvSpPr>
-          <p:nvPr>
-            <p:ph type="title"/>
-          </p:nvPr>
-        </p:nvSpPr>
-        <p:spPr/>
-        <p:txBody>
-          <a:bodyPr/>
-          <a:lstStyle/>
-          <a:p>
-            <a:r>
-              <a:rPr lang="en-US" smtClean="0"/>
-              <a:t>Web</a:t>
-            </a:r>
-            <a:endParaRPr lang="en-US"/>
-          </a:p>
-        </p:txBody>
-      </p:sp>
-      <p:sp>
-        <p:nvSpPr>
-          <p:cNvPr id="4" name="Slide Number Placeholder 3"/>
-          <p:cNvSpPr>
-            <a:spLocks noGrp="1"/>
-          </p:cNvSpPr>
-          <p:nvPr>
-            <p:ph type="sldNum" sz="quarter" idx="12"/>
-          </p:nvPr>
-        </p:nvSpPr>
-        <p:spPr/>
-        <p:txBody>
-          <a:bodyPr/>
-          <a:lstStyle/>
-          <a:p>
-            <a:fld id="{FC66D6CE-B56B-447A-A58B-E2D6508578E9}" type="slidenum">
-              <a:rPr lang="en-US" smtClean="0"/>
-              <a:pPr/>
-              <a:t>5</a:t>
-            </a:fld>
-            <a:endParaRPr lang="en-US"/>
-          </a:p>
-        </p:txBody>
-      </p:sp>
-      <p:pic>
-        <p:nvPicPr>
-          <p:cNvPr id="2051" name="Picture 3"/>
-          <p:cNvPicPr>
-            <a:picLocks noChangeAspect="1" noChangeArrowheads="1"/>
-          </p:cNvPicPr>
-          <p:nvPr/>
-        </p:nvPicPr>
-        <p:blipFill>
-          <a:blip r:embed="rId2">
-            <a:extLst>
-              <a:ext uri="{28A0092B-C50C-407E-A947-70E740481C1C}">
-                <a14:useLocalDpi xmlns:a14="http://schemas.microsoft.com/office/drawing/2010/main" val="0"/>
-              </a:ext>
-            </a:extLst>
-          </a:blip>
-          <a:srcRect/>
-          <a:stretch>
-            <a:fillRect/>
-          </a:stretch>
-        </p:blipFill>
-        <p:spPr bwMode="auto">
-          <a:xfrm>
-            <a:off x="1752600" y="1524000"/>
-            <a:ext cx="5943600" cy="4926634"/>
+            <a:off x="607385" y="5472544"/>
+            <a:ext cx="1982031" cy="685800"/>
           </a:xfrm>
           <a:prstGeom prst="rect">
             <a:avLst/>
@@ -4542,10 +5250,719 @@
           </a:extLst>
         </p:spPr>
       </p:pic>
+      <p:sp>
+        <p:nvSpPr>
+          <p:cNvPr id="6" name="Right Arrow 5"/>
+          <p:cNvSpPr/>
+          <p:nvPr/>
+        </p:nvSpPr>
+        <p:spPr>
+          <a:xfrm rot="18959194">
+            <a:off x="2349175" y="3506825"/>
+            <a:ext cx="1066800" cy="457200"/>
+          </a:xfrm>
+          <a:prstGeom prst="rightArrow">
+            <a:avLst/>
+          </a:prstGeom>
+        </p:spPr>
+        <p:style>
+          <a:lnRef idx="0">
+            <a:schemeClr val="accent1"/>
+          </a:lnRef>
+          <a:fillRef idx="3">
+            <a:schemeClr val="accent1"/>
+          </a:fillRef>
+          <a:effectRef idx="3">
+            <a:schemeClr val="accent1"/>
+          </a:effectRef>
+          <a:fontRef idx="minor">
+            <a:schemeClr val="lt1"/>
+          </a:fontRef>
+        </p:style>
+        <p:txBody>
+          <a:bodyPr rtlCol="0" anchor="ctr"/>
+          <a:lstStyle/>
+          <a:p>
+            <a:pPr algn="ctr"/>
+            <a:endParaRPr lang="en-US"/>
+          </a:p>
+        </p:txBody>
+      </p:sp>
+      <p:sp>
+        <p:nvSpPr>
+          <p:cNvPr id="7" name="TextBox 6"/>
+          <p:cNvSpPr txBox="1"/>
+          <p:nvPr/>
+        </p:nvSpPr>
+        <p:spPr>
+          <a:xfrm>
+            <a:off x="1221413" y="3281771"/>
+            <a:ext cx="1368003" cy="369332"/>
+          </a:xfrm>
+          <a:prstGeom prst="rect">
+            <a:avLst/>
+          </a:prstGeom>
+          <a:noFill/>
+        </p:spPr>
+        <p:txBody>
+          <a:bodyPr wrap="none" rtlCol="0">
+            <a:spAutoFit/>
+          </a:bodyPr>
+          <a:lstStyle/>
+          <a:p>
+            <a:r>
+              <a:rPr lang="en-US" smtClean="0"/>
+              <a:t>Traffic status</a:t>
+            </a:r>
+            <a:endParaRPr lang="en-US"/>
+          </a:p>
+        </p:txBody>
+      </p:sp>
+      <p:pic>
+        <p:nvPicPr>
+          <p:cNvPr id="1029" name="Picture 5" descr="C:\Users\tdqua_000\Desktop\nokia-lumia-800-ma-2037970c-large.jpg"/>
+          <p:cNvPicPr>
+            <a:picLocks noChangeAspect="1" noChangeArrowheads="1"/>
+          </p:cNvPicPr>
+          <p:nvPr/>
+        </p:nvPicPr>
+        <p:blipFill>
+          <a:blip r:embed="rId5" cstate="print">
+            <a:extLst>
+              <a:ext uri="{28A0092B-C50C-407E-A947-70E740481C1C}">
+                <a14:useLocalDpi xmlns:a14="http://schemas.microsoft.com/office/drawing/2010/main" val="0"/>
+              </a:ext>
+            </a:extLst>
+          </a:blip>
+          <a:srcRect/>
+          <a:stretch>
+            <a:fillRect/>
+          </a:stretch>
+        </p:blipFill>
+        <p:spPr bwMode="auto">
+          <a:xfrm>
+            <a:off x="6549530" y="4304114"/>
+            <a:ext cx="1658136" cy="1034533"/>
+          </a:xfrm>
+          <a:prstGeom prst="rect">
+            <a:avLst/>
+          </a:prstGeom>
+          <a:noFill/>
+          <a:extLst>
+            <a:ext uri="{909E8E84-426E-40DD-AFC4-6F175D3DCCD1}">
+              <a14:hiddenFill xmlns:a14="http://schemas.microsoft.com/office/drawing/2010/main">
+                <a:solidFill>
+                  <a:srgbClr val="FFFFFF"/>
+                </a:solidFill>
+              </a14:hiddenFill>
+            </a:ext>
+          </a:extLst>
+        </p:spPr>
+      </p:pic>
+      <p:pic>
+        <p:nvPicPr>
+          <p:cNvPr id="1030" name="Picture 6" descr="C:\Users\tdqua_000\Desktop\ie9_logo.png"/>
+          <p:cNvPicPr>
+            <a:picLocks noChangeAspect="1" noChangeArrowheads="1"/>
+          </p:cNvPicPr>
+          <p:nvPr/>
+        </p:nvPicPr>
+        <p:blipFill>
+          <a:blip r:embed="rId6">
+            <a:extLst>
+              <a:ext uri="{28A0092B-C50C-407E-A947-70E740481C1C}">
+                <a14:useLocalDpi xmlns:a14="http://schemas.microsoft.com/office/drawing/2010/main" val="0"/>
+              </a:ext>
+            </a:extLst>
+          </a:blip>
+          <a:srcRect/>
+          <a:stretch>
+            <a:fillRect/>
+          </a:stretch>
+        </p:blipFill>
+        <p:spPr bwMode="auto">
+          <a:xfrm>
+            <a:off x="6768751" y="2176325"/>
+            <a:ext cx="1219693" cy="1219693"/>
+          </a:xfrm>
+          <a:prstGeom prst="rect">
+            <a:avLst/>
+          </a:prstGeom>
+          <a:noFill/>
+          <a:extLst>
+            <a:ext uri="{909E8E84-426E-40DD-AFC4-6F175D3DCCD1}">
+              <a14:hiddenFill xmlns:a14="http://schemas.microsoft.com/office/drawing/2010/main">
+                <a:solidFill>
+                  <a:srgbClr val="FFFFFF"/>
+                </a:solidFill>
+              </a14:hiddenFill>
+            </a:ext>
+          </a:extLst>
+        </p:spPr>
+      </p:pic>
+      <p:sp>
+        <p:nvSpPr>
+          <p:cNvPr id="14" name="Right Arrow 13"/>
+          <p:cNvSpPr/>
+          <p:nvPr/>
+        </p:nvSpPr>
+        <p:spPr>
+          <a:xfrm>
+            <a:off x="5576042" y="2571426"/>
+            <a:ext cx="1066800" cy="457200"/>
+          </a:xfrm>
+          <a:prstGeom prst="rightArrow">
+            <a:avLst/>
+          </a:prstGeom>
+        </p:spPr>
+        <p:style>
+          <a:lnRef idx="0">
+            <a:schemeClr val="accent1"/>
+          </a:lnRef>
+          <a:fillRef idx="3">
+            <a:schemeClr val="accent1"/>
+          </a:fillRef>
+          <a:effectRef idx="3">
+            <a:schemeClr val="accent1"/>
+          </a:effectRef>
+          <a:fontRef idx="minor">
+            <a:schemeClr val="lt1"/>
+          </a:fontRef>
+        </p:style>
+        <p:txBody>
+          <a:bodyPr rtlCol="0" anchor="ctr"/>
+          <a:lstStyle/>
+          <a:p>
+            <a:pPr algn="ctr"/>
+            <a:endParaRPr lang="en-US"/>
+          </a:p>
+        </p:txBody>
+      </p:sp>
+      <p:sp>
+        <p:nvSpPr>
+          <p:cNvPr id="15" name="Right Arrow 14"/>
+          <p:cNvSpPr/>
+          <p:nvPr/>
+        </p:nvSpPr>
+        <p:spPr>
+          <a:xfrm rot="1929076">
+            <a:off x="5457113" y="3658669"/>
+            <a:ext cx="1066800" cy="457200"/>
+          </a:xfrm>
+          <a:prstGeom prst="rightArrow">
+            <a:avLst/>
+          </a:prstGeom>
+        </p:spPr>
+        <p:style>
+          <a:lnRef idx="0">
+            <a:schemeClr val="accent1"/>
+          </a:lnRef>
+          <a:fillRef idx="3">
+            <a:schemeClr val="accent1"/>
+          </a:fillRef>
+          <a:effectRef idx="3">
+            <a:schemeClr val="accent1"/>
+          </a:effectRef>
+          <a:fontRef idx="minor">
+            <a:schemeClr val="lt1"/>
+          </a:fontRef>
+        </p:style>
+        <p:txBody>
+          <a:bodyPr rtlCol="0" anchor="ctr"/>
+          <a:lstStyle/>
+          <a:p>
+            <a:pPr algn="ctr"/>
+            <a:endParaRPr lang="en-US"/>
+          </a:p>
+        </p:txBody>
+      </p:sp>
+      <p:sp>
+        <p:nvSpPr>
+          <p:cNvPr id="16" name="TextBox 15"/>
+          <p:cNvSpPr txBox="1"/>
+          <p:nvPr/>
+        </p:nvSpPr>
+        <p:spPr>
+          <a:xfrm>
+            <a:off x="5236915" y="3124200"/>
+            <a:ext cx="1368003" cy="369332"/>
+          </a:xfrm>
+          <a:prstGeom prst="rect">
+            <a:avLst/>
+          </a:prstGeom>
+          <a:noFill/>
+        </p:spPr>
+        <p:txBody>
+          <a:bodyPr wrap="none" rtlCol="0">
+            <a:spAutoFit/>
+          </a:bodyPr>
+          <a:lstStyle/>
+          <a:p>
+            <a:r>
+              <a:rPr lang="en-US" smtClean="0"/>
+              <a:t>Traffic status</a:t>
+            </a:r>
+            <a:endParaRPr lang="en-US"/>
+          </a:p>
+        </p:txBody>
+      </p:sp>
+      <p:cxnSp>
+        <p:nvCxnSpPr>
+          <p:cNvPr id="10" name="Straight Connector 9"/>
+          <p:cNvCxnSpPr/>
+          <p:nvPr/>
+        </p:nvCxnSpPr>
+        <p:spPr>
+          <a:xfrm>
+            <a:off x="3521689" y="2881298"/>
+            <a:ext cx="1447800" cy="0"/>
+          </a:xfrm>
+          <a:prstGeom prst="line">
+            <a:avLst/>
+          </a:prstGeom>
+        </p:spPr>
+        <p:style>
+          <a:lnRef idx="1">
+            <a:schemeClr val="accent1"/>
+          </a:lnRef>
+          <a:fillRef idx="0">
+            <a:schemeClr val="accent1"/>
+          </a:fillRef>
+          <a:effectRef idx="0">
+            <a:schemeClr val="accent1"/>
+          </a:effectRef>
+          <a:fontRef idx="minor">
+            <a:schemeClr val="tx1"/>
+          </a:fontRef>
+        </p:style>
+      </p:cxnSp>
+      <p:cxnSp>
+        <p:nvCxnSpPr>
+          <p:cNvPr id="21" name="Straight Connector 20"/>
+          <p:cNvCxnSpPr/>
+          <p:nvPr/>
+        </p:nvCxnSpPr>
+        <p:spPr>
+          <a:xfrm>
+            <a:off x="3521689" y="3281771"/>
+            <a:ext cx="1447800" cy="0"/>
+          </a:xfrm>
+          <a:prstGeom prst="line">
+            <a:avLst/>
+          </a:prstGeom>
+        </p:spPr>
+        <p:style>
+          <a:lnRef idx="1">
+            <a:schemeClr val="accent1"/>
+          </a:lnRef>
+          <a:fillRef idx="0">
+            <a:schemeClr val="accent1"/>
+          </a:fillRef>
+          <a:effectRef idx="0">
+            <a:schemeClr val="accent1"/>
+          </a:effectRef>
+          <a:fontRef idx="minor">
+            <a:schemeClr val="tx1"/>
+          </a:fontRef>
+        </p:style>
+      </p:cxnSp>
+      <p:sp>
+        <p:nvSpPr>
+          <p:cNvPr id="22" name="TextBox 21"/>
+          <p:cNvSpPr txBox="1"/>
+          <p:nvPr/>
+        </p:nvSpPr>
+        <p:spPr>
+          <a:xfrm>
+            <a:off x="3521689" y="2907268"/>
+            <a:ext cx="1329275" cy="369332"/>
+          </a:xfrm>
+          <a:prstGeom prst="rect">
+            <a:avLst/>
+          </a:prstGeom>
+          <a:noFill/>
+        </p:spPr>
+        <p:txBody>
+          <a:bodyPr wrap="none" rtlCol="0">
+            <a:spAutoFit/>
+          </a:bodyPr>
+          <a:lstStyle/>
+          <a:p>
+            <a:r>
+              <a:rPr lang="en-US" smtClean="0"/>
+              <a:t>Web service</a:t>
+            </a:r>
+            <a:endParaRPr lang="en-US"/>
+          </a:p>
+        </p:txBody>
+      </p:sp>
     </p:spTree>
     <p:extLst>
       <p:ext uri="{BB962C8B-B14F-4D97-AF65-F5344CB8AC3E}">
-        <p14:creationId xmlns:p14="http://schemas.microsoft.com/office/powerpoint/2010/main" val="3312341315"/>
+        <p14:creationId xmlns:p14="http://schemas.microsoft.com/office/powerpoint/2010/main" val="2301750928"/>
+      </p:ext>
+    </p:extLst>
+  </p:cSld>
+  <p:clrMapOvr>
+    <a:masterClrMapping/>
+  </p:clrMapOvr>
+  <p:timing>
+    <p:tnLst>
+      <p:par>
+        <p:cTn id="1" dur="indefinite" restart="never" nodeType="tmRoot"/>
+      </p:par>
+    </p:tnLst>
+  </p:timing>
+</p:sld>
+</file>
+
+<file path=ppt/slides/slide4.xml><?xml version="1.0" encoding="utf-8"?>
+<p:sld xmlns:a="http://schemas.openxmlformats.org/drawingml/2006/main" xmlns:r="http://schemas.openxmlformats.org/officeDocument/2006/relationships" xmlns:p="http://schemas.openxmlformats.org/presentationml/2006/main">
+  <p:cSld>
+    <p:spTree>
+      <p:nvGrpSpPr>
+        <p:cNvPr id="1" name=""/>
+        <p:cNvGrpSpPr/>
+        <p:nvPr/>
+      </p:nvGrpSpPr>
+      <p:grpSpPr>
+        <a:xfrm>
+          <a:off x="0" y="0"/>
+          <a:ext cx="0" cy="0"/>
+          <a:chOff x="0" y="0"/>
+          <a:chExt cx="0" cy="0"/>
+        </a:xfrm>
+      </p:grpSpPr>
+      <p:sp>
+        <p:nvSpPr>
+          <p:cNvPr id="2" name="Title 1"/>
+          <p:cNvSpPr>
+            <a:spLocks noGrp="1"/>
+          </p:cNvSpPr>
+          <p:nvPr>
+            <p:ph type="title"/>
+          </p:nvPr>
+        </p:nvSpPr>
+        <p:spPr/>
+        <p:txBody>
+          <a:bodyPr/>
+          <a:lstStyle/>
+          <a:p>
+            <a:r>
+              <a:rPr lang="en-US" smtClean="0"/>
+              <a:t>Business model</a:t>
+            </a:r>
+            <a:endParaRPr lang="en-US"/>
+          </a:p>
+        </p:txBody>
+      </p:sp>
+      <p:sp>
+        <p:nvSpPr>
+          <p:cNvPr id="3" name="Content Placeholder 2"/>
+          <p:cNvSpPr>
+            <a:spLocks noGrp="1"/>
+          </p:cNvSpPr>
+          <p:nvPr>
+            <p:ph idx="1"/>
+          </p:nvPr>
+        </p:nvSpPr>
+        <p:spPr/>
+        <p:txBody>
+          <a:bodyPr/>
+          <a:lstStyle/>
+          <a:p>
+            <a:r>
+              <a:rPr lang="en-US" smtClean="0"/>
+              <a:t>Freemium</a:t>
+            </a:r>
+          </a:p>
+          <a:p>
+            <a:r>
+              <a:rPr lang="en-US" smtClean="0"/>
+              <a:t>Software as a service</a:t>
+            </a:r>
+            <a:endParaRPr lang="en-US"/>
+          </a:p>
+        </p:txBody>
+      </p:sp>
+      <p:sp>
+        <p:nvSpPr>
+          <p:cNvPr id="4" name="Slide Number Placeholder 3"/>
+          <p:cNvSpPr>
+            <a:spLocks noGrp="1"/>
+          </p:cNvSpPr>
+          <p:nvPr>
+            <p:ph type="sldNum" sz="quarter" idx="12"/>
+          </p:nvPr>
+        </p:nvSpPr>
+        <p:spPr/>
+        <p:txBody>
+          <a:bodyPr/>
+          <a:lstStyle/>
+          <a:p>
+            <a:fld id="{FC66D6CE-B56B-447A-A58B-E2D6508578E9}" type="slidenum">
+              <a:rPr lang="en-US" smtClean="0"/>
+              <a:pPr/>
+              <a:t>4</a:t>
+            </a:fld>
+            <a:endParaRPr lang="en-US"/>
+          </a:p>
+        </p:txBody>
+      </p:sp>
+    </p:spTree>
+    <p:extLst>
+      <p:ext uri="{BB962C8B-B14F-4D97-AF65-F5344CB8AC3E}">
+        <p14:creationId xmlns:p14="http://schemas.microsoft.com/office/powerpoint/2010/main" val="2563676199"/>
+      </p:ext>
+    </p:extLst>
+  </p:cSld>
+  <p:clrMapOvr>
+    <a:masterClrMapping/>
+  </p:clrMapOvr>
+  <p:timing>
+    <p:tnLst>
+      <p:par>
+        <p:cTn id="1" dur="indefinite" restart="never" nodeType="tmRoot"/>
+      </p:par>
+    </p:tnLst>
+  </p:timing>
+</p:sld>
+</file>
+
+<file path=ppt/slides/slide5.xml><?xml version="1.0" encoding="utf-8"?>
+<p:sld xmlns:a="http://schemas.openxmlformats.org/drawingml/2006/main" xmlns:r="http://schemas.openxmlformats.org/officeDocument/2006/relationships" xmlns:p="http://schemas.openxmlformats.org/presentationml/2006/main">
+  <p:cSld>
+    <p:spTree>
+      <p:nvGrpSpPr>
+        <p:cNvPr id="1" name=""/>
+        <p:cNvGrpSpPr/>
+        <p:nvPr/>
+      </p:nvGrpSpPr>
+      <p:grpSpPr>
+        <a:xfrm>
+          <a:off x="0" y="0"/>
+          <a:ext cx="0" cy="0"/>
+          <a:chOff x="0" y="0"/>
+          <a:chExt cx="0" cy="0"/>
+        </a:xfrm>
+      </p:grpSpPr>
+      <p:sp>
+        <p:nvSpPr>
+          <p:cNvPr id="2" name="Title 1"/>
+          <p:cNvSpPr>
+            <a:spLocks noGrp="1"/>
+          </p:cNvSpPr>
+          <p:nvPr>
+            <p:ph type="title"/>
+          </p:nvPr>
+        </p:nvSpPr>
+        <p:spPr/>
+        <p:txBody>
+          <a:bodyPr/>
+          <a:lstStyle/>
+          <a:p>
+            <a:r>
+              <a:rPr lang="en-US" smtClean="0"/>
+              <a:t>Freemium</a:t>
+            </a:r>
+            <a:endParaRPr lang="en-US"/>
+          </a:p>
+        </p:txBody>
+      </p:sp>
+      <p:sp>
+        <p:nvSpPr>
+          <p:cNvPr id="3" name="Content Placeholder 2"/>
+          <p:cNvSpPr>
+            <a:spLocks noGrp="1"/>
+          </p:cNvSpPr>
+          <p:nvPr>
+            <p:ph idx="1"/>
+          </p:nvPr>
+        </p:nvSpPr>
+        <p:spPr/>
+        <p:txBody>
+          <a:bodyPr/>
+          <a:lstStyle/>
+          <a:p>
+            <a:pPr marL="457200" indent="-457200">
+              <a:buFont typeface="Arial" pitchFamily="34" charset="0"/>
+              <a:buChar char="•"/>
+            </a:pPr>
+            <a:r>
+              <a:rPr lang="en-US" smtClean="0"/>
+              <a:t>Free</a:t>
+            </a:r>
+            <a:r>
+              <a:rPr lang="en-US"/>
+              <a:t> </a:t>
+            </a:r>
+            <a:r>
+              <a:rPr lang="en-US" smtClean="0"/>
+              <a:t>+ Advertisement</a:t>
+            </a:r>
+          </a:p>
+          <a:p>
+            <a:endParaRPr lang="en-US"/>
+          </a:p>
+          <a:p>
+            <a:endParaRPr lang="en-US" smtClean="0"/>
+          </a:p>
+          <a:p>
+            <a:endParaRPr lang="en-US"/>
+          </a:p>
+        </p:txBody>
+      </p:sp>
+      <p:sp>
+        <p:nvSpPr>
+          <p:cNvPr id="4" name="Slide Number Placeholder 3"/>
+          <p:cNvSpPr>
+            <a:spLocks noGrp="1"/>
+          </p:cNvSpPr>
+          <p:nvPr>
+            <p:ph type="sldNum" sz="quarter" idx="12"/>
+          </p:nvPr>
+        </p:nvSpPr>
+        <p:spPr/>
+        <p:txBody>
+          <a:bodyPr/>
+          <a:lstStyle/>
+          <a:p>
+            <a:fld id="{FC66D6CE-B56B-447A-A58B-E2D6508578E9}" type="slidenum">
+              <a:rPr lang="en-US" smtClean="0"/>
+              <a:pPr/>
+              <a:t>5</a:t>
+            </a:fld>
+            <a:endParaRPr lang="en-US"/>
+          </a:p>
+        </p:txBody>
+      </p:sp>
+      <p:pic>
+        <p:nvPicPr>
+          <p:cNvPr id="2051" name="Picture 3" descr="C:\Users\tdqua_000\Desktop\3D Character (91).jpg"/>
+          <p:cNvPicPr>
+            <a:picLocks noChangeAspect="1" noChangeArrowheads="1"/>
+          </p:cNvPicPr>
+          <p:nvPr/>
+        </p:nvPicPr>
+        <p:blipFill>
+          <a:blip r:embed="rId2">
+            <a:extLst>
+              <a:ext uri="{28A0092B-C50C-407E-A947-70E740481C1C}">
+                <a14:useLocalDpi xmlns:a14="http://schemas.microsoft.com/office/drawing/2010/main" val="0"/>
+              </a:ext>
+            </a:extLst>
+          </a:blip>
+          <a:srcRect/>
+          <a:stretch>
+            <a:fillRect/>
+          </a:stretch>
+        </p:blipFill>
+        <p:spPr bwMode="auto">
+          <a:xfrm>
+            <a:off x="4038600" y="1676399"/>
+            <a:ext cx="4426527" cy="4426527"/>
+          </a:xfrm>
+          <a:prstGeom prst="rect">
+            <a:avLst/>
+          </a:prstGeom>
+          <a:noFill/>
+          <a:extLst>
+            <a:ext uri="{909E8E84-426E-40DD-AFC4-6F175D3DCCD1}">
+              <a14:hiddenFill xmlns:a14="http://schemas.microsoft.com/office/drawing/2010/main">
+                <a:solidFill>
+                  <a:srgbClr val="FFFFFF"/>
+                </a:solidFill>
+              </a14:hiddenFill>
+            </a:ext>
+          </a:extLst>
+        </p:spPr>
+      </p:pic>
+      <p:pic>
+        <p:nvPicPr>
+          <p:cNvPr id="7" name="Picture 5" descr="C:\Users\tdqua_000\Desktop\nokia-lumia-800-ma-2037970c-large.jpg"/>
+          <p:cNvPicPr>
+            <a:picLocks noChangeAspect="1" noChangeArrowheads="1"/>
+          </p:cNvPicPr>
+          <p:nvPr/>
+        </p:nvPicPr>
+        <p:blipFill>
+          <a:blip r:embed="rId3" cstate="print">
+            <a:extLst>
+              <a:ext uri="{28A0092B-C50C-407E-A947-70E740481C1C}">
+                <a14:useLocalDpi xmlns:a14="http://schemas.microsoft.com/office/drawing/2010/main" val="0"/>
+              </a:ext>
+            </a:extLst>
+          </a:blip>
+          <a:srcRect/>
+          <a:stretch>
+            <a:fillRect/>
+          </a:stretch>
+        </p:blipFill>
+        <p:spPr bwMode="auto">
+          <a:xfrm>
+            <a:off x="2057400" y="2324884"/>
+            <a:ext cx="1658136" cy="1034533"/>
+          </a:xfrm>
+          <a:prstGeom prst="rect">
+            <a:avLst/>
+          </a:prstGeom>
+          <a:noFill/>
+          <a:extLst>
+            <a:ext uri="{909E8E84-426E-40DD-AFC4-6F175D3DCCD1}">
+              <a14:hiddenFill xmlns:a14="http://schemas.microsoft.com/office/drawing/2010/main">
+                <a:solidFill>
+                  <a:srgbClr val="FFFFFF"/>
+                </a:solidFill>
+              </a14:hiddenFill>
+            </a:ext>
+          </a:extLst>
+        </p:spPr>
+      </p:pic>
+      <p:pic>
+        <p:nvPicPr>
+          <p:cNvPr id="8" name="Picture 6" descr="C:\Users\tdqua_000\Desktop\ie9_logo.png"/>
+          <p:cNvPicPr>
+            <a:picLocks noChangeAspect="1" noChangeArrowheads="1"/>
+          </p:cNvPicPr>
+          <p:nvPr/>
+        </p:nvPicPr>
+        <p:blipFill>
+          <a:blip r:embed="rId4">
+            <a:extLst>
+              <a:ext uri="{28A0092B-C50C-407E-A947-70E740481C1C}">
+                <a14:useLocalDpi xmlns:a14="http://schemas.microsoft.com/office/drawing/2010/main" val="0"/>
+              </a:ext>
+            </a:extLst>
+          </a:blip>
+          <a:srcRect/>
+          <a:stretch>
+            <a:fillRect/>
+          </a:stretch>
+        </p:blipFill>
+        <p:spPr bwMode="auto">
+          <a:xfrm>
+            <a:off x="609600" y="2167743"/>
+            <a:ext cx="1219693" cy="1219693"/>
+          </a:xfrm>
+          <a:prstGeom prst="rect">
+            <a:avLst/>
+          </a:prstGeom>
+          <a:noFill/>
+          <a:extLst>
+            <a:ext uri="{909E8E84-426E-40DD-AFC4-6F175D3DCCD1}">
+              <a14:hiddenFill xmlns:a14="http://schemas.microsoft.com/office/drawing/2010/main">
+                <a:solidFill>
+                  <a:srgbClr val="FFFFFF"/>
+                </a:solidFill>
+              </a14:hiddenFill>
+            </a:ext>
+          </a:extLst>
+        </p:spPr>
+      </p:pic>
+    </p:spTree>
+    <p:extLst>
+      <p:ext uri="{BB962C8B-B14F-4D97-AF65-F5344CB8AC3E}">
+        <p14:creationId xmlns:p14="http://schemas.microsoft.com/office/powerpoint/2010/main" val="2258798759"/>
       </p:ext>
     </p:extLst>
   </p:cSld>
@@ -4595,47 +6012,9 @@
           <a:lstStyle/>
           <a:p>
             <a:r>
-              <a:rPr lang="en-US" smtClean="0"/>
-              <a:t>Demo</a:t>
-            </a:r>
-            <a:endParaRPr lang="en-US"/>
-          </a:p>
-        </p:txBody>
-      </p:sp>
-      <p:sp>
-        <p:nvSpPr>
-          <p:cNvPr id="3" name="Content Placeholder 2"/>
-          <p:cNvSpPr>
-            <a:spLocks noGrp="1"/>
-          </p:cNvSpPr>
-          <p:nvPr>
-            <p:ph idx="1"/>
-          </p:nvPr>
-        </p:nvSpPr>
-        <p:spPr/>
-        <p:txBody>
-          <a:bodyPr/>
-          <a:lstStyle/>
-          <a:p>
-            <a:r>
-              <a:rPr lang="en-US" smtClean="0"/>
-              <a:t>Microworker sends traffic status</a:t>
-            </a:r>
-            <a:endParaRPr lang="en-US" smtClean="0"/>
-          </a:p>
-          <a:p>
-            <a:r>
-              <a:rPr lang="en-US" smtClean="0"/>
-              <a:t>User checks traffic status</a:t>
-            </a:r>
-            <a:endParaRPr lang="en-US" smtClean="0"/>
-          </a:p>
-          <a:p>
-            <a:r>
-              <a:rPr lang="en-US" smtClean="0"/>
-              <a:t>Web query</a:t>
-            </a:r>
-            <a:endParaRPr lang="en-US"/>
+              <a:rPr lang="en-US" sz="4800" b="1"/>
+              <a:t>VoH traffic program</a:t>
+            </a:r>
           </a:p>
         </p:txBody>
       </p:sp>
@@ -4663,10 +6042,324 @@
           </a:p>
         </p:txBody>
       </p:sp>
+      <p:pic>
+        <p:nvPicPr>
+          <p:cNvPr id="5" name="Picture 3" descr="C:\Users\tdqua_000\Desktop\images38166_hiepsigt.jpg"/>
+          <p:cNvPicPr>
+            <a:picLocks noChangeAspect="1" noChangeArrowheads="1"/>
+          </p:cNvPicPr>
+          <p:nvPr/>
+        </p:nvPicPr>
+        <p:blipFill>
+          <a:blip r:embed="rId2">
+            <a:extLst>
+              <a:ext uri="{28A0092B-C50C-407E-A947-70E740481C1C}">
+                <a14:useLocalDpi xmlns:a14="http://schemas.microsoft.com/office/drawing/2010/main" val="0"/>
+              </a:ext>
+            </a:extLst>
+          </a:blip>
+          <a:srcRect/>
+          <a:stretch>
+            <a:fillRect/>
+          </a:stretch>
+        </p:blipFill>
+        <p:spPr bwMode="auto">
+          <a:xfrm>
+            <a:off x="304800" y="1600200"/>
+            <a:ext cx="3549476" cy="2590800"/>
+          </a:xfrm>
+          <a:prstGeom prst="rect">
+            <a:avLst/>
+          </a:prstGeom>
+          <a:noFill/>
+          <a:extLst>
+            <a:ext uri="{909E8E84-426E-40DD-AFC4-6F175D3DCCD1}">
+              <a14:hiddenFill xmlns:a14="http://schemas.microsoft.com/office/drawing/2010/main">
+                <a:solidFill>
+                  <a:srgbClr val="FFFFFF"/>
+                </a:solidFill>
+              </a14:hiddenFill>
+            </a:ext>
+          </a:extLst>
+        </p:spPr>
+      </p:pic>
+      <p:sp>
+        <p:nvSpPr>
+          <p:cNvPr id="8" name="Rounded Rectangle 7"/>
+          <p:cNvSpPr/>
+          <p:nvPr/>
+        </p:nvSpPr>
+        <p:spPr>
+          <a:xfrm>
+            <a:off x="4191000" y="1600200"/>
+            <a:ext cx="1143000" cy="914400"/>
+          </a:xfrm>
+          <a:prstGeom prst="roundRect">
+            <a:avLst/>
+          </a:prstGeom>
+          <a:solidFill>
+            <a:srgbClr val="FF0000"/>
+          </a:solidFill>
+        </p:spPr>
+        <p:style>
+          <a:lnRef idx="0">
+            <a:schemeClr val="accent1"/>
+          </a:lnRef>
+          <a:fillRef idx="3">
+            <a:schemeClr val="accent1"/>
+          </a:fillRef>
+          <a:effectRef idx="3">
+            <a:schemeClr val="accent1"/>
+          </a:effectRef>
+          <a:fontRef idx="minor">
+            <a:schemeClr val="lt1"/>
+          </a:fontRef>
+        </p:style>
+        <p:txBody>
+          <a:bodyPr rtlCol="0" anchor="ctr"/>
+          <a:lstStyle/>
+          <a:p>
+            <a:pPr algn="ctr"/>
+            <a:r>
+              <a:rPr lang="en-US" sz="3600" smtClean="0"/>
+              <a:t>67%</a:t>
+            </a:r>
+            <a:endParaRPr lang="en-US" sz="3600"/>
+          </a:p>
+        </p:txBody>
+      </p:sp>
+      <p:sp>
+        <p:nvSpPr>
+          <p:cNvPr id="10" name="Rounded Rectangle 9"/>
+          <p:cNvSpPr/>
+          <p:nvPr/>
+        </p:nvSpPr>
+        <p:spPr>
+          <a:xfrm>
+            <a:off x="4197927" y="2895600"/>
+            <a:ext cx="1143000" cy="914400"/>
+          </a:xfrm>
+          <a:prstGeom prst="roundRect">
+            <a:avLst/>
+          </a:prstGeom>
+          <a:solidFill>
+            <a:srgbClr val="0070C0"/>
+          </a:solidFill>
+        </p:spPr>
+        <p:style>
+          <a:lnRef idx="0">
+            <a:schemeClr val="accent1"/>
+          </a:lnRef>
+          <a:fillRef idx="3">
+            <a:schemeClr val="accent1"/>
+          </a:fillRef>
+          <a:effectRef idx="3">
+            <a:schemeClr val="accent1"/>
+          </a:effectRef>
+          <a:fontRef idx="minor">
+            <a:schemeClr val="lt1"/>
+          </a:fontRef>
+        </p:style>
+        <p:txBody>
+          <a:bodyPr rtlCol="0" anchor="ctr"/>
+          <a:lstStyle/>
+          <a:p>
+            <a:pPr algn="ctr"/>
+            <a:r>
+              <a:rPr lang="en-US" sz="3600" smtClean="0"/>
+              <a:t>79%</a:t>
+            </a:r>
+            <a:endParaRPr lang="en-US" sz="3600"/>
+          </a:p>
+        </p:txBody>
+      </p:sp>
+      <p:sp>
+        <p:nvSpPr>
+          <p:cNvPr id="11" name="Rounded Rectangle 10"/>
+          <p:cNvSpPr/>
+          <p:nvPr/>
+        </p:nvSpPr>
+        <p:spPr>
+          <a:xfrm>
+            <a:off x="4197927" y="4253347"/>
+            <a:ext cx="1143000" cy="914400"/>
+          </a:xfrm>
+          <a:prstGeom prst="roundRect">
+            <a:avLst/>
+          </a:prstGeom>
+          <a:solidFill>
+            <a:srgbClr val="00B050"/>
+          </a:solidFill>
+        </p:spPr>
+        <p:style>
+          <a:lnRef idx="0">
+            <a:schemeClr val="accent1"/>
+          </a:lnRef>
+          <a:fillRef idx="3">
+            <a:schemeClr val="accent1"/>
+          </a:fillRef>
+          <a:effectRef idx="3">
+            <a:schemeClr val="accent1"/>
+          </a:effectRef>
+          <a:fontRef idx="minor">
+            <a:schemeClr val="lt1"/>
+          </a:fontRef>
+        </p:style>
+        <p:txBody>
+          <a:bodyPr rtlCol="0" anchor="ctr"/>
+          <a:lstStyle/>
+          <a:p>
+            <a:pPr algn="ctr"/>
+            <a:r>
+              <a:rPr lang="en-US" sz="3600" smtClean="0"/>
+              <a:t>95%</a:t>
+            </a:r>
+            <a:endParaRPr lang="en-US" sz="3600"/>
+          </a:p>
+        </p:txBody>
+      </p:sp>
+      <p:sp>
+        <p:nvSpPr>
+          <p:cNvPr id="9" name="TextBox 8"/>
+          <p:cNvSpPr txBox="1"/>
+          <p:nvPr/>
+        </p:nvSpPr>
+        <p:spPr>
+          <a:xfrm>
+            <a:off x="5526680" y="1827312"/>
+            <a:ext cx="2668423" cy="523220"/>
+          </a:xfrm>
+          <a:prstGeom prst="rect">
+            <a:avLst/>
+          </a:prstGeom>
+          <a:noFill/>
+        </p:spPr>
+        <p:txBody>
+          <a:bodyPr wrap="none" rtlCol="0">
+            <a:spAutoFit/>
+          </a:bodyPr>
+          <a:lstStyle/>
+          <a:p>
+            <a:r>
+              <a:rPr lang="en-US" sz="2800" b="1" smtClean="0">
+                <a:latin typeface="Segoe UI" pitchFamily="34" charset="0"/>
+                <a:cs typeface="Segoe UI" pitchFamily="34" charset="0"/>
+              </a:rPr>
+              <a:t>Radio listeners</a:t>
+            </a:r>
+            <a:endParaRPr lang="en-US" sz="2800" b="1">
+              <a:latin typeface="Segoe UI" pitchFamily="34" charset="0"/>
+              <a:cs typeface="Segoe UI" pitchFamily="34" charset="0"/>
+            </a:endParaRPr>
+          </a:p>
+        </p:txBody>
+      </p:sp>
+      <p:sp>
+        <p:nvSpPr>
+          <p:cNvPr id="13" name="TextBox 12"/>
+          <p:cNvSpPr txBox="1"/>
+          <p:nvPr/>
+        </p:nvSpPr>
+        <p:spPr>
+          <a:xfrm>
+            <a:off x="5505898" y="3108297"/>
+            <a:ext cx="3670172" cy="523220"/>
+          </a:xfrm>
+          <a:prstGeom prst="rect">
+            <a:avLst/>
+          </a:prstGeom>
+          <a:noFill/>
+        </p:spPr>
+        <p:txBody>
+          <a:bodyPr wrap="none" rtlCol="0">
+            <a:spAutoFit/>
+          </a:bodyPr>
+          <a:lstStyle/>
+          <a:p>
+            <a:r>
+              <a:rPr lang="en-US" sz="2800" b="1" smtClean="0">
+                <a:latin typeface="Segoe UI" pitchFamily="34" charset="0"/>
+                <a:cs typeface="Segoe UI" pitchFamily="34" charset="0"/>
+              </a:rPr>
+              <a:t>Interested by drivers</a:t>
+            </a:r>
+            <a:endParaRPr lang="en-US" sz="2800" b="1">
+              <a:latin typeface="Segoe UI" pitchFamily="34" charset="0"/>
+              <a:cs typeface="Segoe UI" pitchFamily="34" charset="0"/>
+            </a:endParaRPr>
+          </a:p>
+        </p:txBody>
+      </p:sp>
+      <p:sp>
+        <p:nvSpPr>
+          <p:cNvPr id="14" name="TextBox 13"/>
+          <p:cNvSpPr txBox="1"/>
+          <p:nvPr/>
+        </p:nvSpPr>
+        <p:spPr>
+          <a:xfrm>
+            <a:off x="5526680" y="4448937"/>
+            <a:ext cx="3286477" cy="523220"/>
+          </a:xfrm>
+          <a:prstGeom prst="rect">
+            <a:avLst/>
+          </a:prstGeom>
+          <a:noFill/>
+        </p:spPr>
+        <p:txBody>
+          <a:bodyPr wrap="none" rtlCol="0">
+            <a:spAutoFit/>
+          </a:bodyPr>
+          <a:lstStyle/>
+          <a:p>
+            <a:r>
+              <a:rPr lang="en-US" sz="2800" b="1" smtClean="0">
+                <a:latin typeface="Segoe UI" pitchFamily="34" charset="0"/>
+                <a:cs typeface="Segoe UI" pitchFamily="34" charset="0"/>
+              </a:rPr>
+              <a:t>Suitable for traffic</a:t>
+            </a:r>
+            <a:endParaRPr lang="en-US" sz="2800" b="1">
+              <a:latin typeface="Segoe UI" pitchFamily="34" charset="0"/>
+              <a:cs typeface="Segoe UI" pitchFamily="34" charset="0"/>
+            </a:endParaRPr>
+          </a:p>
+        </p:txBody>
+      </p:sp>
+      <p:sp>
+        <p:nvSpPr>
+          <p:cNvPr id="12" name="TextBox 11"/>
+          <p:cNvSpPr txBox="1"/>
+          <p:nvPr/>
+        </p:nvSpPr>
+        <p:spPr>
+          <a:xfrm>
+            <a:off x="4233527" y="6331527"/>
+            <a:ext cx="2522165" cy="307777"/>
+          </a:xfrm>
+          <a:prstGeom prst="rect">
+            <a:avLst/>
+          </a:prstGeom>
+          <a:noFill/>
+        </p:spPr>
+        <p:txBody>
+          <a:bodyPr wrap="none" rtlCol="0">
+            <a:spAutoFit/>
+          </a:bodyPr>
+          <a:lstStyle/>
+          <a:p>
+            <a:r>
+              <a:rPr lang="en-US" sz="1400" smtClean="0"/>
+              <a:t>Source: giaothongvantai.com.vn</a:t>
+            </a:r>
+            <a:endParaRPr lang="en-US" sz="1400"/>
+          </a:p>
+        </p:txBody>
+      </p:sp>
     </p:spTree>
     <p:extLst>
       <p:ext uri="{BB962C8B-B14F-4D97-AF65-F5344CB8AC3E}">
-        <p14:creationId xmlns:p14="http://schemas.microsoft.com/office/powerpoint/2010/main" val="3851276250"/>
+        <p14:creationId xmlns:p14="http://schemas.microsoft.com/office/powerpoint/2010/main" val="276778249"/>
       </p:ext>
     </p:extLst>
   </p:cSld>
@@ -4717,7 +6410,7 @@
           <a:p>
             <a:r>
               <a:rPr lang="en-US" smtClean="0"/>
-              <a:t>Business model</a:t>
+              <a:t>VoH problem</a:t>
             </a:r>
             <a:endParaRPr lang="en-US"/>
           </a:p>
@@ -4740,32 +6433,14 @@
           <a:p>
             <a:r>
               <a:rPr lang="en-US" smtClean="0"/>
-              <a:t>Worker: </a:t>
-            </a:r>
-            <a:r>
-              <a:rPr lang="en-US" smtClean="0"/>
-              <a:t>Paid on </a:t>
-            </a:r>
-            <a:r>
-              <a:rPr lang="en-US" smtClean="0"/>
-              <a:t>Effectiveness and Usefulness</a:t>
-            </a:r>
-            <a:endParaRPr lang="en-US" smtClean="0"/>
-          </a:p>
-          <a:p>
-            <a:r>
-              <a:rPr lang="en-US" smtClean="0"/>
-              <a:t>Advertisement</a:t>
-            </a:r>
-            <a:endParaRPr lang="en-US" smtClean="0"/>
-          </a:p>
-          <a:p>
-            <a:r>
-              <a:rPr lang="en-US" smtClean="0"/>
-              <a:t>SaaS</a:t>
-            </a:r>
-          </a:p>
-          <a:p>
+              <a:t>High cost</a:t>
+            </a:r>
+          </a:p>
+          <a:p>
+            <a:r>
+              <a:rPr lang="en-US" smtClean="0"/>
+              <a:t>Low responsiveness</a:t>
+            </a:r>
             <a:endParaRPr lang="en-US"/>
           </a:p>
         </p:txBody>
@@ -4797,7 +6472,410 @@
     </p:spTree>
     <p:extLst>
       <p:ext uri="{BB962C8B-B14F-4D97-AF65-F5344CB8AC3E}">
-        <p14:creationId xmlns:p14="http://schemas.microsoft.com/office/powerpoint/2010/main" val="2258798759"/>
+        <p14:creationId xmlns:p14="http://schemas.microsoft.com/office/powerpoint/2010/main" val="3471664606"/>
+      </p:ext>
+    </p:extLst>
+  </p:cSld>
+  <p:clrMapOvr>
+    <a:masterClrMapping/>
+  </p:clrMapOvr>
+  <p:timing>
+    <p:tnLst>
+      <p:par>
+        <p:cTn id="1" dur="indefinite" restart="never" nodeType="tmRoot"/>
+      </p:par>
+    </p:tnLst>
+  </p:timing>
+</p:sld>
+</file>
+
+<file path=ppt/slides/slide8.xml><?xml version="1.0" encoding="utf-8"?>
+<p:sld xmlns:a="http://schemas.openxmlformats.org/drawingml/2006/main" xmlns:r="http://schemas.openxmlformats.org/officeDocument/2006/relationships" xmlns:p="http://schemas.openxmlformats.org/presentationml/2006/main">
+  <p:cSld>
+    <p:spTree>
+      <p:nvGrpSpPr>
+        <p:cNvPr id="1" name=""/>
+        <p:cNvGrpSpPr/>
+        <p:nvPr/>
+      </p:nvGrpSpPr>
+      <p:grpSpPr>
+        <a:xfrm>
+          <a:off x="0" y="0"/>
+          <a:ext cx="0" cy="0"/>
+          <a:chOff x="0" y="0"/>
+          <a:chExt cx="0" cy="0"/>
+        </a:xfrm>
+      </p:grpSpPr>
+      <p:sp>
+        <p:nvSpPr>
+          <p:cNvPr id="2" name="Title 1"/>
+          <p:cNvSpPr>
+            <a:spLocks noGrp="1"/>
+          </p:cNvSpPr>
+          <p:nvPr>
+            <p:ph type="title"/>
+          </p:nvPr>
+        </p:nvSpPr>
+        <p:spPr/>
+        <p:txBody>
+          <a:bodyPr/>
+          <a:lstStyle/>
+          <a:p>
+            <a:r>
+              <a:rPr lang="en-US" sz="4800" smtClean="0"/>
+              <a:t>Other location-based services</a:t>
+            </a:r>
+            <a:endParaRPr lang="en-US" sz="4800"/>
+          </a:p>
+        </p:txBody>
+      </p:sp>
+      <p:sp>
+        <p:nvSpPr>
+          <p:cNvPr id="3" name="Content Placeholder 2"/>
+          <p:cNvSpPr>
+            <a:spLocks noGrp="1"/>
+          </p:cNvSpPr>
+          <p:nvPr>
+            <p:ph idx="1"/>
+          </p:nvPr>
+        </p:nvSpPr>
+        <p:spPr/>
+        <p:txBody>
+          <a:bodyPr/>
+          <a:lstStyle/>
+          <a:p>
+            <a:r>
+              <a:rPr lang="en-US" smtClean="0"/>
+              <a:t>No real-time traffic information</a:t>
+            </a:r>
+            <a:endParaRPr lang="en-US"/>
+          </a:p>
+        </p:txBody>
+      </p:sp>
+      <p:sp>
+        <p:nvSpPr>
+          <p:cNvPr id="4" name="Slide Number Placeholder 3"/>
+          <p:cNvSpPr>
+            <a:spLocks noGrp="1"/>
+          </p:cNvSpPr>
+          <p:nvPr>
+            <p:ph type="sldNum" sz="quarter" idx="12"/>
+          </p:nvPr>
+        </p:nvSpPr>
+        <p:spPr/>
+        <p:txBody>
+          <a:bodyPr/>
+          <a:lstStyle/>
+          <a:p>
+            <a:fld id="{FC66D6CE-B56B-447A-A58B-E2D6508578E9}" type="slidenum">
+              <a:rPr lang="en-US" smtClean="0"/>
+              <a:pPr/>
+              <a:t>8</a:t>
+            </a:fld>
+            <a:endParaRPr lang="en-US"/>
+          </a:p>
+        </p:txBody>
+      </p:sp>
+      <p:pic>
+        <p:nvPicPr>
+          <p:cNvPr id="5122" name="Picture 2"/>
+          <p:cNvPicPr>
+            <a:picLocks noChangeAspect="1" noChangeArrowheads="1"/>
+          </p:cNvPicPr>
+          <p:nvPr/>
+        </p:nvPicPr>
+        <p:blipFill>
+          <a:blip r:embed="rId2">
+            <a:extLst>
+              <a:ext uri="{28A0092B-C50C-407E-A947-70E740481C1C}">
+                <a14:useLocalDpi xmlns:a14="http://schemas.microsoft.com/office/drawing/2010/main" val="0"/>
+              </a:ext>
+            </a:extLst>
+          </a:blip>
+          <a:srcRect/>
+          <a:stretch>
+            <a:fillRect/>
+          </a:stretch>
+        </p:blipFill>
+        <p:spPr bwMode="auto">
+          <a:xfrm>
+            <a:off x="1828800" y="2359602"/>
+            <a:ext cx="2338541" cy="819150"/>
+          </a:xfrm>
+          <a:prstGeom prst="rect">
+            <a:avLst/>
+          </a:prstGeom>
+          <a:noFill/>
+          <a:ln>
+            <a:noFill/>
+          </a:ln>
+          <a:effectLst/>
+          <a:extLst>
+            <a:ext uri="{909E8E84-426E-40DD-AFC4-6F175D3DCCD1}">
+              <a14:hiddenFill xmlns:a14="http://schemas.microsoft.com/office/drawing/2010/main">
+                <a:solidFill>
+                  <a:schemeClr val="accent1"/>
+                </a:solidFill>
+              </a14:hiddenFill>
+            </a:ext>
+            <a:ext uri="{91240B29-F687-4F45-9708-019B960494DF}">
+              <a14:hiddenLine xmlns:a14="http://schemas.microsoft.com/office/drawing/2010/main" w="9525">
+                <a:solidFill>
+                  <a:schemeClr val="tx1"/>
+                </a:solidFill>
+                <a:miter lim="800000"/>
+                <a:headEnd/>
+                <a:tailEnd/>
+              </a14:hiddenLine>
+            </a:ext>
+            <a:ext uri="{AF507438-7753-43E0-B8FC-AC1667EBCBE1}">
+              <a14:hiddenEffects xmlns:a14="http://schemas.microsoft.com/office/drawing/2010/main">
+                <a:effectLst>
+                  <a:outerShdw dist="35921" dir="2700000" algn="ctr" rotWithShape="0">
+                    <a:schemeClr val="bg2"/>
+                  </a:outerShdw>
+                </a:effectLst>
+              </a14:hiddenEffects>
+            </a:ext>
+          </a:extLst>
+        </p:spPr>
+      </p:pic>
+      <p:pic>
+        <p:nvPicPr>
+          <p:cNvPr id="5123" name="Picture 3" descr="C:\Users\tdqua_000\Desktop\logoVBD.png"/>
+          <p:cNvPicPr>
+            <a:picLocks noChangeAspect="1" noChangeArrowheads="1"/>
+          </p:cNvPicPr>
+          <p:nvPr/>
+        </p:nvPicPr>
+        <p:blipFill>
+          <a:blip r:embed="rId3">
+            <a:extLst>
+              <a:ext uri="{28A0092B-C50C-407E-A947-70E740481C1C}">
+                <a14:useLocalDpi xmlns:a14="http://schemas.microsoft.com/office/drawing/2010/main" val="0"/>
+              </a:ext>
+            </a:extLst>
+          </a:blip>
+          <a:srcRect/>
+          <a:stretch>
+            <a:fillRect/>
+          </a:stretch>
+        </p:blipFill>
+        <p:spPr bwMode="auto">
+          <a:xfrm>
+            <a:off x="4800600" y="2454852"/>
+            <a:ext cx="2000250" cy="628650"/>
+          </a:xfrm>
+          <a:prstGeom prst="rect">
+            <a:avLst/>
+          </a:prstGeom>
+          <a:noFill/>
+          <a:extLst>
+            <a:ext uri="{909E8E84-426E-40DD-AFC4-6F175D3DCCD1}">
+              <a14:hiddenFill xmlns:a14="http://schemas.microsoft.com/office/drawing/2010/main">
+                <a:solidFill>
+                  <a:srgbClr val="FFFFFF"/>
+                </a:solidFill>
+              </a14:hiddenFill>
+            </a:ext>
+          </a:extLst>
+        </p:spPr>
+      </p:pic>
+    </p:spTree>
+    <p:extLst>
+      <p:ext uri="{BB962C8B-B14F-4D97-AF65-F5344CB8AC3E}">
+        <p14:creationId xmlns:p14="http://schemas.microsoft.com/office/powerpoint/2010/main" val="1575424089"/>
+      </p:ext>
+    </p:extLst>
+  </p:cSld>
+  <p:clrMapOvr>
+    <a:masterClrMapping/>
+  </p:clrMapOvr>
+</p:sld>
+</file>
+
+<file path=ppt/slides/slide9.xml><?xml version="1.0" encoding="utf-8"?>
+<p:sld xmlns:a="http://schemas.openxmlformats.org/drawingml/2006/main" xmlns:r="http://schemas.openxmlformats.org/officeDocument/2006/relationships" xmlns:p="http://schemas.openxmlformats.org/presentationml/2006/main">
+  <p:cSld>
+    <p:spTree>
+      <p:nvGrpSpPr>
+        <p:cNvPr id="1" name=""/>
+        <p:cNvGrpSpPr/>
+        <p:nvPr/>
+      </p:nvGrpSpPr>
+      <p:grpSpPr>
+        <a:xfrm>
+          <a:off x="0" y="0"/>
+          <a:ext cx="0" cy="0"/>
+          <a:chOff x="0" y="0"/>
+          <a:chExt cx="0" cy="0"/>
+        </a:xfrm>
+      </p:grpSpPr>
+      <p:sp>
+        <p:nvSpPr>
+          <p:cNvPr id="2" name="Title 1"/>
+          <p:cNvSpPr>
+            <a:spLocks noGrp="1"/>
+          </p:cNvSpPr>
+          <p:nvPr>
+            <p:ph type="title"/>
+          </p:nvPr>
+        </p:nvSpPr>
+        <p:spPr/>
+        <p:txBody>
+          <a:bodyPr/>
+          <a:lstStyle/>
+          <a:p>
+            <a:r>
+              <a:rPr lang="en-US" smtClean="0"/>
+              <a:t>B2B – Software as a service</a:t>
+            </a:r>
+            <a:endParaRPr lang="en-US"/>
+          </a:p>
+        </p:txBody>
+      </p:sp>
+      <p:sp>
+        <p:nvSpPr>
+          <p:cNvPr id="3" name="Content Placeholder 2"/>
+          <p:cNvSpPr>
+            <a:spLocks noGrp="1"/>
+          </p:cNvSpPr>
+          <p:nvPr>
+            <p:ph idx="1"/>
+          </p:nvPr>
+        </p:nvSpPr>
+        <p:spPr>
+          <a:xfrm>
+            <a:off x="3962400" y="1600200"/>
+            <a:ext cx="5029200" cy="1981200"/>
+          </a:xfrm>
+        </p:spPr>
+        <p:txBody>
+          <a:bodyPr/>
+          <a:lstStyle/>
+          <a:p>
+            <a:r>
+              <a:rPr lang="en-US" smtClean="0"/>
+              <a:t>For</a:t>
+            </a:r>
+          </a:p>
+          <a:p>
+            <a:pPr marL="914400" lvl="1" indent="-457200">
+              <a:buFont typeface="Arial" pitchFamily="34" charset="0"/>
+              <a:buChar char="•"/>
+            </a:pPr>
+            <a:r>
+              <a:rPr lang="en-US" sz="2300" smtClean="0"/>
+              <a:t>Other location-based services</a:t>
+            </a:r>
+          </a:p>
+          <a:p>
+            <a:pPr marL="914400" lvl="1" indent="-457200">
+              <a:buFont typeface="Arial" pitchFamily="34" charset="0"/>
+              <a:buChar char="•"/>
+            </a:pPr>
+            <a:r>
+              <a:rPr lang="en-US" sz="2300" smtClean="0"/>
+              <a:t>Radio stations</a:t>
+            </a:r>
+          </a:p>
+          <a:p>
+            <a:endParaRPr lang="en-US"/>
+          </a:p>
+        </p:txBody>
+      </p:sp>
+      <p:sp>
+        <p:nvSpPr>
+          <p:cNvPr id="4" name="Slide Number Placeholder 3"/>
+          <p:cNvSpPr>
+            <a:spLocks noGrp="1"/>
+          </p:cNvSpPr>
+          <p:nvPr>
+            <p:ph type="sldNum" sz="quarter" idx="12"/>
+          </p:nvPr>
+        </p:nvSpPr>
+        <p:spPr/>
+        <p:txBody>
+          <a:bodyPr/>
+          <a:lstStyle/>
+          <a:p>
+            <a:fld id="{FC66D6CE-B56B-447A-A58B-E2D6508578E9}" type="slidenum">
+              <a:rPr lang="en-US" smtClean="0"/>
+              <a:pPr/>
+              <a:t>9</a:t>
+            </a:fld>
+            <a:endParaRPr lang="en-US"/>
+          </a:p>
+        </p:txBody>
+      </p:sp>
+      <p:pic>
+        <p:nvPicPr>
+          <p:cNvPr id="3074" name="Picture 2"/>
+          <p:cNvPicPr>
+            <a:picLocks noChangeAspect="1" noChangeArrowheads="1"/>
+          </p:cNvPicPr>
+          <p:nvPr/>
+        </p:nvPicPr>
+        <p:blipFill>
+          <a:blip r:embed="rId2">
+            <a:extLst>
+              <a:ext uri="{28A0092B-C50C-407E-A947-70E740481C1C}">
+                <a14:useLocalDpi xmlns:a14="http://schemas.microsoft.com/office/drawing/2010/main" val="0"/>
+              </a:ext>
+            </a:extLst>
+          </a:blip>
+          <a:srcRect/>
+          <a:stretch>
+            <a:fillRect/>
+          </a:stretch>
+        </p:blipFill>
+        <p:spPr bwMode="auto">
+          <a:xfrm>
+            <a:off x="838200" y="2438400"/>
+            <a:ext cx="2819400" cy="2819400"/>
+          </a:xfrm>
+          <a:prstGeom prst="rect">
+            <a:avLst/>
+          </a:prstGeom>
+          <a:noFill/>
+          <a:ln>
+            <a:noFill/>
+          </a:ln>
+          <a:effectLst/>
+          <a:extLst>
+            <a:ext uri="{909E8E84-426E-40DD-AFC4-6F175D3DCCD1}">
+              <a14:hiddenFill xmlns:a14="http://schemas.microsoft.com/office/drawing/2010/main">
+                <a:solidFill>
+                  <a:schemeClr val="accent1"/>
+                </a:solidFill>
+              </a14:hiddenFill>
+            </a:ext>
+            <a:ext uri="{91240B29-F687-4F45-9708-019B960494DF}">
+              <a14:hiddenLine xmlns:a14="http://schemas.microsoft.com/office/drawing/2010/main" w="9525">
+                <a:solidFill>
+                  <a:schemeClr val="tx1"/>
+                </a:solidFill>
+                <a:miter lim="800000"/>
+                <a:headEnd/>
+                <a:tailEnd/>
+              </a14:hiddenLine>
+            </a:ext>
+            <a:ext uri="{AF507438-7753-43E0-B8FC-AC1667EBCBE1}">
+              <a14:hiddenEffects xmlns:a14="http://schemas.microsoft.com/office/drawing/2010/main">
+                <a:effectLst>
+                  <a:outerShdw dist="35921" dir="2700000" algn="ctr" rotWithShape="0">
+                    <a:schemeClr val="bg2"/>
+                  </a:outerShdw>
+                </a:effectLst>
+              </a14:hiddenEffects>
+            </a:ext>
+          </a:extLst>
+        </p:spPr>
+      </p:pic>
+    </p:spTree>
+    <p:extLst>
+      <p:ext uri="{BB962C8B-B14F-4D97-AF65-F5344CB8AC3E}">
+        <p14:creationId xmlns:p14="http://schemas.microsoft.com/office/powerpoint/2010/main" val="2639248333"/>
       </p:ext>
     </p:extLst>
   </p:cSld>

--- a/trunk/m2WorkHackathon-LiveTrafficUpdate.pptx
+++ b/trunk/m2WorkHackathon-LiveTrafficUpdate.pptx
@@ -4032,6 +4032,13 @@
   <p:clrMapOvr>
     <a:masterClrMapping/>
   </p:clrMapOvr>
+  <p:timing>
+    <p:tnLst>
+      <p:par>
+        <p:cTn id="1" dur="indefinite" restart="never" nodeType="tmRoot"/>
+      </p:par>
+    </p:tnLst>
+  </p:timing>
 </p:sld>
 </file>
 
@@ -4450,6 +4457,13 @@
   <p:clrMapOvr>
     <a:masterClrMapping/>
   </p:clrMapOvr>
+  <p:timing>
+    <p:tnLst>
+      <p:par>
+        <p:cTn id="1" dur="indefinite" restart="never" nodeType="tmRoot"/>
+      </p:par>
+    </p:tnLst>
+  </p:timing>
 </p:sld>
 </file>
 
@@ -4609,6 +4623,13 @@
   <p:clrMapOvr>
     <a:masterClrMapping/>
   </p:clrMapOvr>
+  <p:timing>
+    <p:tnLst>
+      <p:par>
+        <p:cTn id="1" dur="indefinite" restart="never" nodeType="tmRoot"/>
+      </p:par>
+    </p:tnLst>
+  </p:timing>
 </p:sld>
 </file>
 
@@ -4871,6 +4892,13 @@
   <p:clrMapOvr>
     <a:masterClrMapping/>
   </p:clrMapOvr>
+  <p:timing>
+    <p:tnLst>
+      <p:par>
+        <p:cTn id="1" dur="indefinite" restart="never" nodeType="tmRoot"/>
+      </p:par>
+    </p:tnLst>
+  </p:timing>
 </p:sld>
 </file>
 
@@ -5763,7 +5791,7 @@
           <a:p>
             <a:r>
               <a:rPr lang="en-US" smtClean="0"/>
-              <a:t>Freemium</a:t>
+              <a:t>Free</a:t>
             </a:r>
             <a:endParaRPr lang="en-US"/>
           </a:p>
@@ -5859,7 +5887,7 @@
         </p:blipFill>
         <p:spPr bwMode="auto">
           <a:xfrm>
-            <a:off x="4038600" y="1676399"/>
+            <a:off x="4495800" y="1676399"/>
             <a:ext cx="4426527" cy="4426527"/>
           </a:xfrm>
           <a:prstGeom prst="rect">
@@ -6691,6 +6719,13 @@
   <p:clrMapOvr>
     <a:masterClrMapping/>
   </p:clrMapOvr>
+  <p:timing>
+    <p:tnLst>
+      <p:par>
+        <p:cTn id="1" dur="indefinite" restart="never" nodeType="tmRoot"/>
+      </p:par>
+    </p:tnLst>
+  </p:timing>
 </p:sld>
 </file>
 
